--- a/eece3170/sum16/lectures/eece.3170sum16_lec11.pptx
+++ b/eece3170/sum16/lectures/eece.3170sum16_lec11.pptx
@@ -567,7 +567,7 @@
             <a:tailEnd/>
           </a:ln>
           <a:extLst>
-            <a:ext uri="{909E8E84-426E-40dd-AFC4-6F175D3DCCD1}">
+            <a:ext uri="{909E8E84-426E-40DD-AFC4-6F175D3DCCD1}">
               <a14:hiddenFill xmlns:a14="http://schemas.microsoft.com/office/drawing/2010/main">
                 <a:solidFill>
                   <a:srgbClr val="FFFFFF"/>
@@ -575,7 +575,7 @@
               </a14:hiddenFill>
             </a:ext>
             <a:ext uri="{FAA26D3D-D897-4be2-8F04-BA451C77F1D7}">
-              <ma14:placeholderFlag xmlns:ma14="http://schemas.microsoft.com/office/mac/drawingml/2011/main" val="1"/>
+              <ma14:placeholderFlag xmlns:ma14="http://schemas.microsoft.com/office/mac/drawingml/2011/main" xmlns="" val="1"/>
             </a:ext>
           </a:extLst>
         </p:spPr>
@@ -921,14 +921,14 @@
           <a:noFill/>
           <a:ln/>
           <a:extLst>
-            <a:ext uri="{909E8E84-426E-40dd-AFC4-6F175D3DCCD1}">
+            <a:ext uri="{909E8E84-426E-40DD-AFC4-6F175D3DCCD1}">
               <a14:hiddenFill xmlns:a14="http://schemas.microsoft.com/office/drawing/2010/main">
                 <a:solidFill>
                   <a:srgbClr val="FFFFFF"/>
                 </a:solidFill>
               </a14:hiddenFill>
             </a:ext>
-            <a:ext uri="{91240B29-F687-4f45-9708-019B960494DF}">
+            <a:ext uri="{91240B29-F687-4F45-9708-019B960494DF}">
               <a14:hiddenLine xmlns:a14="http://schemas.microsoft.com/office/drawing/2010/main" w="9525">
                 <a:solidFill>
                   <a:srgbClr val="000000"/>
@@ -1089,14 +1089,14 @@
           <a:noFill/>
           <a:ln/>
           <a:extLst>
-            <a:ext uri="{909E8E84-426E-40dd-AFC4-6F175D3DCCD1}">
+            <a:ext uri="{909E8E84-426E-40DD-AFC4-6F175D3DCCD1}">
               <a14:hiddenFill xmlns:a14="http://schemas.microsoft.com/office/drawing/2010/main">
                 <a:solidFill>
                   <a:srgbClr val="FFFFFF"/>
                 </a:solidFill>
               </a14:hiddenFill>
             </a:ext>
-            <a:ext uri="{91240B29-F687-4f45-9708-019B960494DF}">
+            <a:ext uri="{91240B29-F687-4F45-9708-019B960494DF}">
               <a14:hiddenLine xmlns:a14="http://schemas.microsoft.com/office/drawing/2010/main" w="9525">
                 <a:solidFill>
                   <a:srgbClr val="000000"/>
@@ -1107,7 +1107,7 @@
               </a14:hiddenLine>
             </a:ext>
             <a:ext uri="{FAA26D3D-D897-4be2-8F04-BA451C77F1D7}">
-              <ma14:placeholderFlag xmlns:ma14="http://schemas.microsoft.com/office/mac/drawingml/2011/main" val="1"/>
+              <ma14:placeholderFlag xmlns:ma14="http://schemas.microsoft.com/office/mac/drawingml/2011/main" xmlns="" val="1"/>
             </a:ext>
           </a:extLst>
         </p:spPr>
@@ -1159,14 +1159,14 @@
           <a:noFill/>
           <a:ln/>
           <a:extLst>
-            <a:ext uri="{909E8E84-426E-40dd-AFC4-6F175D3DCCD1}">
+            <a:ext uri="{909E8E84-426E-40DD-AFC4-6F175D3DCCD1}">
               <a14:hiddenFill xmlns:a14="http://schemas.microsoft.com/office/drawing/2010/main">
                 <a:solidFill>
                   <a:srgbClr val="FFFFFF"/>
                 </a:solidFill>
               </a14:hiddenFill>
             </a:ext>
-            <a:ext uri="{91240B29-F687-4f45-9708-019B960494DF}">
+            <a:ext uri="{91240B29-F687-4F45-9708-019B960494DF}">
               <a14:hiddenLine xmlns:a14="http://schemas.microsoft.com/office/drawing/2010/main" w="9525">
                 <a:solidFill>
                   <a:srgbClr val="000000"/>
@@ -1293,7 +1293,7 @@
             <a:fld id="{593E7D37-4BE4-3944-8823-154D6D92EF29}" type="datetime1">
               <a:rPr lang="en-US" sz="1200"/>
               <a:pPr eaLnBrk="1" hangingPunct="1"/>
-              <a:t>6/13/16</a:t>
+              <a:t>6/16/2016</a:t>
             </a:fld>
             <a:endParaRPr lang="en-US" sz="1200"/>
           </a:p>
@@ -1313,14 +1313,14 @@
           <a:noFill/>
           <a:ln/>
           <a:extLst>
-            <a:ext uri="{909E8E84-426E-40dd-AFC4-6F175D3DCCD1}">
+            <a:ext uri="{909E8E84-426E-40DD-AFC4-6F175D3DCCD1}">
               <a14:hiddenFill xmlns:a14="http://schemas.microsoft.com/office/drawing/2010/main">
                 <a:solidFill>
                   <a:srgbClr val="FFFFFF"/>
                 </a:solidFill>
               </a14:hiddenFill>
             </a:ext>
-            <a:ext uri="{91240B29-F687-4f45-9708-019B960494DF}">
+            <a:ext uri="{91240B29-F687-4F45-9708-019B960494DF}">
               <a14:hiddenLine xmlns:a14="http://schemas.microsoft.com/office/drawing/2010/main" w="9525">
                 <a:solidFill>
                   <a:srgbClr val="000000"/>
@@ -1465,14 +1465,14 @@
           <a:noFill/>
           <a:ln/>
           <a:extLst>
-            <a:ext uri="{909E8E84-426E-40dd-AFC4-6F175D3DCCD1}">
+            <a:ext uri="{909E8E84-426E-40DD-AFC4-6F175D3DCCD1}">
               <a14:hiddenFill xmlns:a14="http://schemas.microsoft.com/office/drawing/2010/main">
                 <a:solidFill>
                   <a:srgbClr val="FFFFFF"/>
                 </a:solidFill>
               </a14:hiddenFill>
             </a:ext>
-            <a:ext uri="{91240B29-F687-4f45-9708-019B960494DF}">
+            <a:ext uri="{91240B29-F687-4F45-9708-019B960494DF}">
               <a14:hiddenLine xmlns:a14="http://schemas.microsoft.com/office/drawing/2010/main" w="9525">
                 <a:solidFill>
                   <a:srgbClr val="000000"/>
@@ -1643,7 +1643,7 @@
           </a:ln>
           <a:extLst>
             <a:ext uri="{FAA26D3D-D897-4be2-8F04-BA451C77F1D7}">
-              <ma14:placeholderFlag xmlns:ma14="http://schemas.microsoft.com/office/mac/drawingml/2011/main" val="1"/>
+              <ma14:placeholderFlag xmlns:ma14="http://schemas.microsoft.com/office/mac/drawingml/2011/main" xmlns="" val="1"/>
             </a:ext>
           </a:extLst>
         </p:spPr>
@@ -1695,14 +1695,14 @@
           <a:noFill/>
           <a:ln/>
           <a:extLst>
-            <a:ext uri="{909E8E84-426E-40dd-AFC4-6F175D3DCCD1}">
+            <a:ext uri="{909E8E84-426E-40DD-AFC4-6F175D3DCCD1}">
               <a14:hiddenFill xmlns:a14="http://schemas.microsoft.com/office/drawing/2010/main">
                 <a:solidFill>
                   <a:srgbClr val="FFFFFF"/>
                 </a:solidFill>
               </a14:hiddenFill>
             </a:ext>
-            <a:ext uri="{91240B29-F687-4f45-9708-019B960494DF}">
+            <a:ext uri="{91240B29-F687-4F45-9708-019B960494DF}">
               <a14:hiddenLine xmlns:a14="http://schemas.microsoft.com/office/drawing/2010/main" w="9525">
                 <a:solidFill>
                   <a:srgbClr val="000000"/>
@@ -1836,7 +1836,7 @@
             <a:fld id="{EA89199E-B096-E64C-AA2E-3E60AD03BC0B}" type="datetime1">
               <a:rPr lang="en-US"/>
               <a:pPr/>
-              <a:t>6/13/16</a:t>
+              <a:t>6/16/2016</a:t>
             </a:fld>
             <a:endParaRPr lang="en-US"/>
           </a:p>
@@ -1856,14 +1856,14 @@
           <a:noFill/>
           <a:ln/>
           <a:extLst>
-            <a:ext uri="{909E8E84-426E-40dd-AFC4-6F175D3DCCD1}">
+            <a:ext uri="{909E8E84-426E-40DD-AFC4-6F175D3DCCD1}">
               <a14:hiddenFill xmlns:a14="http://schemas.microsoft.com/office/drawing/2010/main">
                 <a:solidFill>
                   <a:srgbClr val="FFFFFF"/>
                 </a:solidFill>
               </a14:hiddenFill>
             </a:ext>
-            <a:ext uri="{91240B29-F687-4f45-9708-019B960494DF}">
+            <a:ext uri="{91240B29-F687-4F45-9708-019B960494DF}">
               <a14:hiddenLine xmlns:a14="http://schemas.microsoft.com/office/drawing/2010/main" w="9525">
                 <a:solidFill>
                   <a:srgbClr val="000000"/>
@@ -2015,14 +2015,14 @@
           <a:noFill/>
           <a:ln/>
           <a:extLst>
-            <a:ext uri="{909E8E84-426E-40dd-AFC4-6F175D3DCCD1}">
+            <a:ext uri="{909E8E84-426E-40DD-AFC4-6F175D3DCCD1}">
               <a14:hiddenFill xmlns:a14="http://schemas.microsoft.com/office/drawing/2010/main">
                 <a:solidFill>
                   <a:srgbClr val="FFFFFF"/>
                 </a:solidFill>
               </a14:hiddenFill>
             </a:ext>
-            <a:ext uri="{91240B29-F687-4f45-9708-019B960494DF}">
+            <a:ext uri="{91240B29-F687-4F45-9708-019B960494DF}">
               <a14:hiddenLine xmlns:a14="http://schemas.microsoft.com/office/drawing/2010/main" w="9525">
                 <a:solidFill>
                   <a:srgbClr val="000000"/>
@@ -2252,14 +2252,14 @@
           <a:noFill/>
           <a:ln/>
           <a:extLst>
-            <a:ext uri="{909E8E84-426E-40dd-AFC4-6F175D3DCCD1}">
+            <a:ext uri="{909E8E84-426E-40DD-AFC4-6F175D3DCCD1}">
               <a14:hiddenFill xmlns:a14="http://schemas.microsoft.com/office/drawing/2010/main">
                 <a:solidFill>
                   <a:srgbClr val="FFFFFF"/>
                 </a:solidFill>
               </a14:hiddenFill>
             </a:ext>
-            <a:ext uri="{91240B29-F687-4f45-9708-019B960494DF}">
+            <a:ext uri="{91240B29-F687-4F45-9708-019B960494DF}">
               <a14:hiddenLine xmlns:a14="http://schemas.microsoft.com/office/drawing/2010/main" w="9525">
                 <a:solidFill>
                   <a:srgbClr val="000000"/>
@@ -2388,7 +2388,7 @@
                 <a:cs typeface="Arial" charset="0"/>
               </a:rPr>
               <a:pPr eaLnBrk="1" hangingPunct="1"/>
-              <a:t>6/13/16</a:t>
+              <a:t>6/16/2016</a:t>
             </a:fld>
             <a:endParaRPr lang="en-US" sz="1200">
               <a:cs typeface="Arial" charset="0"/>
@@ -2410,14 +2410,14 @@
           <a:noFill/>
           <a:ln/>
           <a:extLst>
-            <a:ext uri="{909E8E84-426E-40dd-AFC4-6F175D3DCCD1}">
+            <a:ext uri="{909E8E84-426E-40DD-AFC4-6F175D3DCCD1}">
               <a14:hiddenFill xmlns:a14="http://schemas.microsoft.com/office/drawing/2010/main">
                 <a:solidFill>
                   <a:srgbClr val="FFFFFF"/>
                 </a:solidFill>
               </a14:hiddenFill>
             </a:ext>
-            <a:ext uri="{91240B29-F687-4f45-9708-019B960494DF}">
+            <a:ext uri="{91240B29-F687-4F45-9708-019B960494DF}">
               <a14:hiddenLine xmlns:a14="http://schemas.microsoft.com/office/drawing/2010/main" w="9525">
                 <a:solidFill>
                   <a:srgbClr val="000000"/>
@@ -2564,14 +2564,14 @@
           <a:noFill/>
           <a:ln/>
           <a:extLst>
-            <a:ext uri="{909E8E84-426E-40dd-AFC4-6F175D3DCCD1}">
+            <a:ext uri="{909E8E84-426E-40DD-AFC4-6F175D3DCCD1}">
               <a14:hiddenFill xmlns:a14="http://schemas.microsoft.com/office/drawing/2010/main">
                 <a:solidFill>
                   <a:srgbClr val="FFFFFF"/>
                 </a:solidFill>
               </a14:hiddenFill>
             </a:ext>
-            <a:ext uri="{91240B29-F687-4f45-9708-019B960494DF}">
+            <a:ext uri="{91240B29-F687-4F45-9708-019B960494DF}">
               <a14:hiddenLine xmlns:a14="http://schemas.microsoft.com/office/drawing/2010/main" w="9525">
                 <a:solidFill>
                   <a:srgbClr val="000000"/>
@@ -2746,7 +2746,7 @@
           </a:ln>
           <a:extLst>
             <a:ext uri="{FAA26D3D-D897-4be2-8F04-BA451C77F1D7}">
-              <ma14:placeholderFlag xmlns:ma14="http://schemas.microsoft.com/office/mac/drawingml/2011/main" val="1"/>
+              <ma14:placeholderFlag xmlns:ma14="http://schemas.microsoft.com/office/mac/drawingml/2011/main" xmlns="" val="1"/>
             </a:ext>
           </a:extLst>
         </p:spPr>
@@ -2797,14 +2797,14 @@
           <a:noFill/>
           <a:ln/>
           <a:extLst>
-            <a:ext uri="{909E8E84-426E-40dd-AFC4-6F175D3DCCD1}">
+            <a:ext uri="{909E8E84-426E-40DD-AFC4-6F175D3DCCD1}">
               <a14:hiddenFill xmlns:a14="http://schemas.microsoft.com/office/drawing/2010/main">
                 <a:solidFill>
                   <a:srgbClr val="FFFFFF"/>
                 </a:solidFill>
               </a14:hiddenFill>
             </a:ext>
-            <a:ext uri="{91240B29-F687-4f45-9708-019B960494DF}">
+            <a:ext uri="{91240B29-F687-4F45-9708-019B960494DF}">
               <a14:hiddenLine xmlns:a14="http://schemas.microsoft.com/office/drawing/2010/main" w="9525">
                 <a:solidFill>
                   <a:srgbClr val="000000"/>
@@ -2969,14 +2969,14 @@
           <a:noFill/>
           <a:ln/>
           <a:extLst>
-            <a:ext uri="{909E8E84-426E-40dd-AFC4-6F175D3DCCD1}">
+            <a:ext uri="{909E8E84-426E-40DD-AFC4-6F175D3DCCD1}">
               <a14:hiddenFill xmlns:a14="http://schemas.microsoft.com/office/drawing/2010/main">
                 <a:solidFill>
                   <a:srgbClr val="FFFFFF"/>
                 </a:solidFill>
               </a14:hiddenFill>
             </a:ext>
-            <a:ext uri="{91240B29-F687-4f45-9708-019B960494DF}">
+            <a:ext uri="{91240B29-F687-4F45-9708-019B960494DF}">
               <a14:hiddenLine xmlns:a14="http://schemas.microsoft.com/office/drawing/2010/main" w="9525">
                 <a:solidFill>
                   <a:srgbClr val="000000"/>
@@ -2987,7 +2987,7 @@
               </a14:hiddenLine>
             </a:ext>
             <a:ext uri="{FAA26D3D-D897-4be2-8F04-BA451C77F1D7}">
-              <ma14:placeholderFlag xmlns:ma14="http://schemas.microsoft.com/office/mac/drawingml/2011/main" val="1"/>
+              <ma14:placeholderFlag xmlns:ma14="http://schemas.microsoft.com/office/mac/drawingml/2011/main" xmlns="" val="1"/>
             </a:ext>
           </a:extLst>
         </p:spPr>
@@ -3038,14 +3038,14 @@
           <a:noFill/>
           <a:ln/>
           <a:extLst>
-            <a:ext uri="{909E8E84-426E-40dd-AFC4-6F175D3DCCD1}">
+            <a:ext uri="{909E8E84-426E-40DD-AFC4-6F175D3DCCD1}">
               <a14:hiddenFill xmlns:a14="http://schemas.microsoft.com/office/drawing/2010/main">
                 <a:solidFill>
                   <a:srgbClr val="FFFFFF"/>
                 </a:solidFill>
               </a14:hiddenFill>
             </a:ext>
-            <a:ext uri="{91240B29-F687-4f45-9708-019B960494DF}">
+            <a:ext uri="{91240B29-F687-4F45-9708-019B960494DF}">
               <a14:hiddenLine xmlns:a14="http://schemas.microsoft.com/office/drawing/2010/main" w="9525">
                 <a:solidFill>
                   <a:srgbClr val="000000"/>
@@ -3210,14 +3210,14 @@
           <a:noFill/>
           <a:ln/>
           <a:extLst>
-            <a:ext uri="{909E8E84-426E-40dd-AFC4-6F175D3DCCD1}">
+            <a:ext uri="{909E8E84-426E-40DD-AFC4-6F175D3DCCD1}">
               <a14:hiddenFill xmlns:a14="http://schemas.microsoft.com/office/drawing/2010/main">
                 <a:solidFill>
                   <a:srgbClr val="FFFFFF"/>
                 </a:solidFill>
               </a14:hiddenFill>
             </a:ext>
-            <a:ext uri="{91240B29-F687-4f45-9708-019B960494DF}">
+            <a:ext uri="{91240B29-F687-4F45-9708-019B960494DF}">
               <a14:hiddenLine xmlns:a14="http://schemas.microsoft.com/office/drawing/2010/main" w="9525">
                 <a:solidFill>
                   <a:srgbClr val="000000"/>
@@ -3228,7 +3228,7 @@
               </a14:hiddenLine>
             </a:ext>
             <a:ext uri="{FAA26D3D-D897-4be2-8F04-BA451C77F1D7}">
-              <ma14:placeholderFlag xmlns:ma14="http://schemas.microsoft.com/office/mac/drawingml/2011/main" val="1"/>
+              <ma14:placeholderFlag xmlns:ma14="http://schemas.microsoft.com/office/mac/drawingml/2011/main" xmlns="" val="1"/>
             </a:ext>
           </a:extLst>
         </p:spPr>
@@ -3279,14 +3279,14 @@
           <a:noFill/>
           <a:ln/>
           <a:extLst>
-            <a:ext uri="{909E8E84-426E-40dd-AFC4-6F175D3DCCD1}">
+            <a:ext uri="{909E8E84-426E-40DD-AFC4-6F175D3DCCD1}">
               <a14:hiddenFill xmlns:a14="http://schemas.microsoft.com/office/drawing/2010/main">
                 <a:solidFill>
                   <a:srgbClr val="FFFFFF"/>
                 </a:solidFill>
               </a14:hiddenFill>
             </a:ext>
-            <a:ext uri="{91240B29-F687-4f45-9708-019B960494DF}">
+            <a:ext uri="{91240B29-F687-4F45-9708-019B960494DF}">
               <a14:hiddenLine xmlns:a14="http://schemas.microsoft.com/office/drawing/2010/main" w="9525">
                 <a:solidFill>
                   <a:srgbClr val="000000"/>
@@ -3451,14 +3451,14 @@
           <a:noFill/>
           <a:ln/>
           <a:extLst>
-            <a:ext uri="{909E8E84-426E-40dd-AFC4-6F175D3DCCD1}">
+            <a:ext uri="{909E8E84-426E-40DD-AFC4-6F175D3DCCD1}">
               <a14:hiddenFill xmlns:a14="http://schemas.microsoft.com/office/drawing/2010/main">
                 <a:solidFill>
                   <a:srgbClr val="FFFFFF"/>
                 </a:solidFill>
               </a14:hiddenFill>
             </a:ext>
-            <a:ext uri="{91240B29-F687-4f45-9708-019B960494DF}">
+            <a:ext uri="{91240B29-F687-4F45-9708-019B960494DF}">
               <a14:hiddenLine xmlns:a14="http://schemas.microsoft.com/office/drawing/2010/main" w="9525">
                 <a:solidFill>
                   <a:srgbClr val="000000"/>
@@ -3469,7 +3469,7 @@
               </a14:hiddenLine>
             </a:ext>
             <a:ext uri="{FAA26D3D-D897-4be2-8F04-BA451C77F1D7}">
-              <ma14:placeholderFlag xmlns:ma14="http://schemas.microsoft.com/office/mac/drawingml/2011/main" val="1"/>
+              <ma14:placeholderFlag xmlns:ma14="http://schemas.microsoft.com/office/mac/drawingml/2011/main" xmlns="" val="1"/>
             </a:ext>
           </a:extLst>
         </p:spPr>
@@ -3520,14 +3520,14 @@
           <a:noFill/>
           <a:ln/>
           <a:extLst>
-            <a:ext uri="{909E8E84-426E-40dd-AFC4-6F175D3DCCD1}">
+            <a:ext uri="{909E8E84-426E-40DD-AFC4-6F175D3DCCD1}">
               <a14:hiddenFill xmlns:a14="http://schemas.microsoft.com/office/drawing/2010/main">
                 <a:solidFill>
                   <a:srgbClr val="FFFFFF"/>
                 </a:solidFill>
               </a14:hiddenFill>
             </a:ext>
-            <a:ext uri="{91240B29-F687-4f45-9708-019B960494DF}">
+            <a:ext uri="{91240B29-F687-4F45-9708-019B960494DF}">
               <a14:hiddenLine xmlns:a14="http://schemas.microsoft.com/office/drawing/2010/main" w="9525">
                 <a:solidFill>
                   <a:srgbClr val="000000"/>
@@ -3692,14 +3692,14 @@
           <a:noFill/>
           <a:ln/>
           <a:extLst>
-            <a:ext uri="{909E8E84-426E-40dd-AFC4-6F175D3DCCD1}">
+            <a:ext uri="{909E8E84-426E-40DD-AFC4-6F175D3DCCD1}">
               <a14:hiddenFill xmlns:a14="http://schemas.microsoft.com/office/drawing/2010/main">
                 <a:solidFill>
                   <a:srgbClr val="FFFFFF"/>
                 </a:solidFill>
               </a14:hiddenFill>
             </a:ext>
-            <a:ext uri="{91240B29-F687-4f45-9708-019B960494DF}">
+            <a:ext uri="{91240B29-F687-4F45-9708-019B960494DF}">
               <a14:hiddenLine xmlns:a14="http://schemas.microsoft.com/office/drawing/2010/main" w="9525">
                 <a:solidFill>
                   <a:srgbClr val="000000"/>
@@ -3710,7 +3710,7 @@
               </a14:hiddenLine>
             </a:ext>
             <a:ext uri="{FAA26D3D-D897-4be2-8F04-BA451C77F1D7}">
-              <ma14:placeholderFlag xmlns:ma14="http://schemas.microsoft.com/office/mac/drawingml/2011/main" val="1"/>
+              <ma14:placeholderFlag xmlns:ma14="http://schemas.microsoft.com/office/mac/drawingml/2011/main" xmlns="" val="1"/>
             </a:ext>
           </a:extLst>
         </p:spPr>
@@ -3811,7 +3811,7 @@
             <a:tailEnd/>
           </a:ln>
           <a:extLst>
-            <a:ext uri="{909E8E84-426E-40dd-AFC4-6F175D3DCCD1}">
+            <a:ext uri="{909E8E84-426E-40DD-AFC4-6F175D3DCCD1}">
               <a14:hiddenFill xmlns:a14="http://schemas.microsoft.com/office/drawing/2010/main">
                 <a:solidFill>
                   <a:srgbClr val="FFFFFF"/>
@@ -3854,7 +3854,7 @@
             <a:tailEnd/>
           </a:ln>
           <a:extLst>
-            <a:ext uri="{909E8E84-426E-40dd-AFC4-6F175D3DCCD1}">
+            <a:ext uri="{909E8E84-426E-40DD-AFC4-6F175D3DCCD1}">
               <a14:hiddenFill xmlns:a14="http://schemas.microsoft.com/office/drawing/2010/main">
                 <a:noFill/>
               </a14:hiddenFill>
@@ -3957,7 +3957,7 @@
             </a:pPr>
             <a:fld id="{2527AB7A-09E4-F745-882B-E76BC13B7BE9}" type="datetime1">
               <a:rPr lang="en-US" smtClean="0"/>
-              <a:t>6/13/16</a:t>
+              <a:t>6/16/2016</a:t>
             </a:fld>
             <a:endParaRPr lang="en-US"/>
           </a:p>
@@ -4162,7 +4162,7 @@
             </a:pPr>
             <a:fld id="{1413BC45-770E-FC4F-9473-706E43968299}" type="datetime1">
               <a:rPr lang="en-US" smtClean="0"/>
-              <a:t>6/13/16</a:t>
+              <a:t>6/16/2016</a:t>
             </a:fld>
             <a:endParaRPr lang="en-US"/>
           </a:p>
@@ -4376,7 +4376,7 @@
             </a:pPr>
             <a:fld id="{F1ACE85F-AC99-C84C-8737-95B10503F3C2}" type="datetime1">
               <a:rPr lang="en-US" smtClean="0"/>
-              <a:t>6/13/16</a:t>
+              <a:t>6/16/2016</a:t>
             </a:fld>
             <a:endParaRPr lang="en-US"/>
           </a:p>
@@ -4647,7 +4647,7 @@
             </a:pPr>
             <a:fld id="{96890078-1C0D-E04C-84ED-7F15B2FAE739}" type="datetime1">
               <a:rPr lang="en-US" smtClean="0"/>
-              <a:t>6/13/16</a:t>
+              <a:t>6/16/2016</a:t>
             </a:fld>
             <a:endParaRPr lang="en-US"/>
           </a:p>
@@ -4918,7 +4918,7 @@
             </a:pPr>
             <a:fld id="{258D6A98-DCB6-254F-B113-C64EF031FEC6}" type="datetime1">
               <a:rPr lang="en-US" smtClean="0"/>
-              <a:t>6/13/16</a:t>
+              <a:t>6/16/2016</a:t>
             </a:fld>
             <a:endParaRPr lang="en-US"/>
           </a:p>
@@ -5187,7 +5187,7 @@
             </a:pPr>
             <a:fld id="{1A0D4544-4A55-DE47-A262-A39E5656FB63}" type="datetime1">
               <a:rPr lang="en-US" smtClean="0"/>
-              <a:t>6/13/16</a:t>
+              <a:t>6/16/2016</a:t>
             </a:fld>
             <a:endParaRPr lang="en-US"/>
           </a:p>
@@ -5392,7 +5392,7 @@
             </a:pPr>
             <a:fld id="{64A4A8C3-B0B7-8446-9112-A4EC6D33EA9F}" type="datetime1">
               <a:rPr lang="en-US" smtClean="0"/>
-              <a:t>6/13/16</a:t>
+              <a:t>6/16/2016</a:t>
             </a:fld>
             <a:endParaRPr lang="en-US"/>
           </a:p>
@@ -5618,7 +5618,7 @@
             </a:pPr>
             <a:fld id="{CB82DA5C-7C79-A64C-AD93-C14072747759}" type="datetime1">
               <a:rPr lang="en-US" smtClean="0"/>
-              <a:t>6/13/16</a:t>
+              <a:t>6/16/2016</a:t>
             </a:fld>
             <a:endParaRPr lang="en-US"/>
           </a:p>
@@ -5940,7 +5940,7 @@
             </a:pPr>
             <a:fld id="{317F1057-EDB1-894F-800C-31F5BF352F05}" type="datetime1">
               <a:rPr lang="en-US" smtClean="0"/>
-              <a:t>6/13/16</a:t>
+              <a:t>6/16/2016</a:t>
             </a:fld>
             <a:endParaRPr lang="en-US"/>
           </a:p>
@@ -6401,7 +6401,7 @@
             </a:pPr>
             <a:fld id="{59DD97A2-A208-2C47-9BA5-EAE2461EE586}" type="datetime1">
               <a:rPr lang="en-US" smtClean="0"/>
-              <a:t>6/13/16</a:t>
+              <a:t>6/16/2016</a:t>
             </a:fld>
             <a:endParaRPr lang="en-US"/>
           </a:p>
@@ -6553,7 +6553,7 @@
             </a:pPr>
             <a:fld id="{D5A84FE7-996C-634A-BB6C-EEC57593EFED}" type="datetime1">
               <a:rPr lang="en-US" smtClean="0"/>
-              <a:t>6/13/16</a:t>
+              <a:t>6/16/2016</a:t>
             </a:fld>
             <a:endParaRPr lang="en-US"/>
           </a:p>
@@ -6682,7 +6682,7 @@
             </a:pPr>
             <a:fld id="{A782584F-9F28-1640-8377-ACA66433C276}" type="datetime1">
               <a:rPr lang="en-US" smtClean="0"/>
-              <a:t>6/13/16</a:t>
+              <a:t>6/16/2016</a:t>
             </a:fld>
             <a:endParaRPr lang="en-US"/>
           </a:p>
@@ -6993,7 +6993,7 @@
             </a:pPr>
             <a:fld id="{8EFF1E80-C290-6246-9FA4-18EDC673CD7E}" type="datetime1">
               <a:rPr lang="en-US" smtClean="0"/>
-              <a:t>6/13/16</a:t>
+              <a:t>6/16/2016</a:t>
             </a:fld>
             <a:endParaRPr lang="en-US"/>
           </a:p>
@@ -7281,7 +7281,7 @@
             </a:pPr>
             <a:fld id="{8A75B3C7-34E2-9443-90DE-0214215A6A29}" type="datetime1">
               <a:rPr lang="en-US" smtClean="0"/>
-              <a:t>6/13/16</a:t>
+              <a:t>6/16/2016</a:t>
             </a:fld>
             <a:endParaRPr lang="en-US"/>
           </a:p>
@@ -7415,14 +7415,14 @@
             <a:noFill/>
           </a:ln>
           <a:extLst>
-            <a:ext uri="{909E8E84-426E-40dd-AFC4-6F175D3DCCD1}">
+            <a:ext uri="{909E8E84-426E-40DD-AFC4-6F175D3DCCD1}">
               <a14:hiddenFill xmlns:a14="http://schemas.microsoft.com/office/drawing/2010/main">
                 <a:solidFill>
                   <a:srgbClr val="FFFFFF"/>
                 </a:solidFill>
               </a14:hiddenFill>
             </a:ext>
-            <a:ext uri="{91240B29-F687-4f45-9708-019B960494DF}">
+            <a:ext uri="{91240B29-F687-4F45-9708-019B960494DF}">
               <a14:hiddenLine xmlns:a14="http://schemas.microsoft.com/office/drawing/2010/main" w="9525">
                 <a:solidFill>
                   <a:srgbClr val="000000"/>
@@ -7433,7 +7433,7 @@
               </a14:hiddenLine>
             </a:ext>
             <a:ext uri="{FAA26D3D-D897-4be2-8F04-BA451C77F1D7}">
-              <ma14:placeholderFlag xmlns:ma14="http://schemas.microsoft.com/office/mac/drawingml/2011/main" val="1"/>
+              <ma14:placeholderFlag xmlns:ma14="http://schemas.microsoft.com/office/mac/drawingml/2011/main" xmlns="" val="1"/>
             </a:ext>
           </a:extLst>
         </p:spPr>
@@ -7476,14 +7476,14 @@
             <a:noFill/>
           </a:ln>
           <a:extLst>
-            <a:ext uri="{909E8E84-426E-40dd-AFC4-6F175D3DCCD1}">
+            <a:ext uri="{909E8E84-426E-40DD-AFC4-6F175D3DCCD1}">
               <a14:hiddenFill xmlns:a14="http://schemas.microsoft.com/office/drawing/2010/main">
                 <a:solidFill>
                   <a:srgbClr val="FFFFFF"/>
                 </a:solidFill>
               </a14:hiddenFill>
             </a:ext>
-            <a:ext uri="{91240B29-F687-4f45-9708-019B960494DF}">
+            <a:ext uri="{91240B29-F687-4F45-9708-019B960494DF}">
               <a14:hiddenLine xmlns:a14="http://schemas.microsoft.com/office/drawing/2010/main" w="9525">
                 <a:solidFill>
                   <a:srgbClr val="000000"/>
@@ -7494,7 +7494,7 @@
               </a14:hiddenLine>
             </a:ext>
             <a:ext uri="{FAA26D3D-D897-4be2-8F04-BA451C77F1D7}">
-              <ma14:placeholderFlag xmlns:ma14="http://schemas.microsoft.com/office/mac/drawingml/2011/main" val="1"/>
+              <ma14:placeholderFlag xmlns:ma14="http://schemas.microsoft.com/office/mac/drawingml/2011/main" xmlns="" val="1"/>
             </a:ext>
           </a:extLst>
         </p:spPr>
@@ -7589,7 +7589,7 @@
             </a:pPr>
             <a:fld id="{032CC32E-F3CD-E849-83C8-97047573521F}" type="datetime1">
               <a:rPr lang="en-US" smtClean="0"/>
-              <a:t>6/13/16</a:t>
+              <a:t>6/16/2016</a:t>
             </a:fld>
             <a:endParaRPr lang="en-US"/>
           </a:p>
@@ -7769,7 +7769,7 @@
             <a:tailEnd/>
           </a:ln>
           <a:extLst>
-            <a:ext uri="{909E8E84-426E-40dd-AFC4-6F175D3DCCD1}">
+            <a:ext uri="{909E8E84-426E-40DD-AFC4-6F175D3DCCD1}">
               <a14:hiddenFill xmlns:a14="http://schemas.microsoft.com/office/drawing/2010/main">
                 <a:solidFill>
                   <a:srgbClr val="FFFFFF"/>
@@ -7812,7 +7812,7 @@
             <a:tailEnd/>
           </a:ln>
           <a:extLst>
-            <a:ext uri="{909E8E84-426E-40dd-AFC4-6F175D3DCCD1}">
+            <a:ext uri="{909E8E84-426E-40DD-AFC4-6F175D3DCCD1}">
               <a14:hiddenFill xmlns:a14="http://schemas.microsoft.com/office/drawing/2010/main">
                 <a:noFill/>
               </a14:hiddenFill>
@@ -7849,7 +7849,7 @@
   <p:timing>
     <p:tnLst>
       <p:par>
-        <p:cTn xmlns:p14="http://schemas.microsoft.com/office/powerpoint/2010/main" id="1" dur="indefinite" restart="never" nodeType="tmRoot"/>
+        <p:cTn id="1" dur="indefinite" restart="never" nodeType="tmRoot"/>
       </p:par>
     </p:tnLst>
   </p:timing>
@@ -8469,7 +8469,7 @@
   <p:timing>
     <p:tnLst>
       <p:par>
-        <p:cTn xmlns:p14="http://schemas.microsoft.com/office/powerpoint/2010/main" id="1" dur="indefinite" restart="never" nodeType="tmRoot"/>
+        <p:cTn id="1" dur="indefinite" restart="never" nodeType="tmRoot"/>
       </p:par>
     </p:tnLst>
   </p:timing>
@@ -8666,14 +8666,14 @@
           <a:noFill/>
           <a:ln/>
           <a:extLst>
-            <a:ext uri="{909E8E84-426E-40dd-AFC4-6F175D3DCCD1}">
+            <a:ext uri="{909E8E84-426E-40DD-AFC4-6F175D3DCCD1}">
               <a14:hiddenFill xmlns:a14="http://schemas.microsoft.com/office/drawing/2010/main">
                 <a:solidFill>
                   <a:srgbClr val="FFFFFF"/>
                 </a:solidFill>
               </a14:hiddenFill>
             </a:ext>
-            <a:ext uri="{91240B29-F687-4f45-9708-019B960494DF}">
+            <a:ext uri="{91240B29-F687-4F45-9708-019B960494DF}">
               <a14:hiddenLine xmlns:a14="http://schemas.microsoft.com/office/drawing/2010/main" w="9525">
                 <a:solidFill>
                   <a:srgbClr val="000000"/>
@@ -8801,7 +8801,7 @@
               <a:rPr lang="en-US" sz="1200" smtClean="0">
                 <a:latin typeface="Garamond" charset="0"/>
               </a:rPr>
-              <a:t>6/13/16</a:t>
+              <a:t>6/16/2016</a:t>
             </a:fld>
             <a:endParaRPr lang="en-US" sz="1200">
               <a:latin typeface="Garamond" charset="0"/>
@@ -8849,14 +8849,14 @@
           <a:noFill/>
           <a:ln/>
           <a:extLst>
-            <a:ext uri="{909E8E84-426E-40dd-AFC4-6F175D3DCCD1}">
+            <a:ext uri="{909E8E84-426E-40DD-AFC4-6F175D3DCCD1}">
               <a14:hiddenFill xmlns:a14="http://schemas.microsoft.com/office/drawing/2010/main">
                 <a:solidFill>
                   <a:srgbClr val="FFFFFF"/>
                 </a:solidFill>
               </a14:hiddenFill>
             </a:ext>
-            <a:ext uri="{91240B29-F687-4f45-9708-019B960494DF}">
+            <a:ext uri="{91240B29-F687-4F45-9708-019B960494DF}">
               <a14:hiddenLine xmlns:a14="http://schemas.microsoft.com/office/drawing/2010/main" w="9525">
                 <a:solidFill>
                   <a:srgbClr val="000000"/>
@@ -9001,7 +9001,7 @@
   <p:timing>
     <p:tnLst>
       <p:par>
-        <p:cTn xmlns:p14="http://schemas.microsoft.com/office/powerpoint/2010/main" id="1" dur="indefinite" restart="never" nodeType="tmRoot"/>
+        <p:cTn id="1" dur="indefinite" restart="never" nodeType="tmRoot"/>
       </p:par>
     </p:tnLst>
   </p:timing>
@@ -9176,14 +9176,14 @@
           <a:noFill/>
           <a:ln/>
           <a:extLst>
-            <a:ext uri="{909E8E84-426E-40dd-AFC4-6F175D3DCCD1}">
+            <a:ext uri="{909E8E84-426E-40DD-AFC4-6F175D3DCCD1}">
               <a14:hiddenFill xmlns:a14="http://schemas.microsoft.com/office/drawing/2010/main">
                 <a:solidFill>
                   <a:srgbClr val="FFFFFF"/>
                 </a:solidFill>
               </a14:hiddenFill>
             </a:ext>
-            <a:ext uri="{91240B29-F687-4f45-9708-019B960494DF}">
+            <a:ext uri="{91240B29-F687-4F45-9708-019B960494DF}">
               <a14:hiddenLine xmlns:a14="http://schemas.microsoft.com/office/drawing/2010/main" w="9525">
                 <a:solidFill>
                   <a:srgbClr val="000000"/>
@@ -9311,7 +9311,7 @@
               <a:rPr lang="en-US" sz="1200" smtClean="0">
                 <a:latin typeface="Garamond" charset="0"/>
               </a:rPr>
-              <a:t>6/13/16</a:t>
+              <a:t>6/16/2016</a:t>
             </a:fld>
             <a:endParaRPr lang="en-US" sz="1200">
               <a:latin typeface="Garamond" charset="0"/>
@@ -9359,14 +9359,14 @@
           <a:noFill/>
           <a:ln/>
           <a:extLst>
-            <a:ext uri="{909E8E84-426E-40dd-AFC4-6F175D3DCCD1}">
+            <a:ext uri="{909E8E84-426E-40DD-AFC4-6F175D3DCCD1}">
               <a14:hiddenFill xmlns:a14="http://schemas.microsoft.com/office/drawing/2010/main">
                 <a:solidFill>
                   <a:srgbClr val="FFFFFF"/>
                 </a:solidFill>
               </a14:hiddenFill>
             </a:ext>
-            <a:ext uri="{91240B29-F687-4f45-9708-019B960494DF}">
+            <a:ext uri="{91240B29-F687-4F45-9708-019B960494DF}">
               <a14:hiddenLine xmlns:a14="http://schemas.microsoft.com/office/drawing/2010/main" w="9525">
                 <a:solidFill>
                   <a:srgbClr val="000000"/>
@@ -9511,7 +9511,7 @@
   <p:timing>
     <p:tnLst>
       <p:par>
-        <p:cTn xmlns:p14="http://schemas.microsoft.com/office/powerpoint/2010/main" id="1" dur="indefinite" restart="never" nodeType="tmRoot"/>
+        <p:cTn id="1" dur="indefinite" restart="never" nodeType="tmRoot"/>
       </p:par>
     </p:tnLst>
   </p:timing>
@@ -9839,14 +9839,14 @@
           <a:noFill/>
           <a:ln/>
           <a:extLst>
-            <a:ext uri="{909E8E84-426E-40dd-AFC4-6F175D3DCCD1}">
+            <a:ext uri="{909E8E84-426E-40DD-AFC4-6F175D3DCCD1}">
               <a14:hiddenFill xmlns:a14="http://schemas.microsoft.com/office/drawing/2010/main">
                 <a:solidFill>
                   <a:srgbClr val="FFFFFF"/>
                 </a:solidFill>
               </a14:hiddenFill>
             </a:ext>
-            <a:ext uri="{91240B29-F687-4f45-9708-019B960494DF}">
+            <a:ext uri="{91240B29-F687-4F45-9708-019B960494DF}">
               <a14:hiddenLine xmlns:a14="http://schemas.microsoft.com/office/drawing/2010/main" w="9525">
                 <a:solidFill>
                   <a:srgbClr val="000000"/>
@@ -9974,7 +9974,7 @@
               <a:rPr lang="en-US" sz="1200" smtClean="0">
                 <a:latin typeface="Garamond" charset="0"/>
               </a:rPr>
-              <a:t>6/13/16</a:t>
+              <a:t>6/16/2016</a:t>
             </a:fld>
             <a:endParaRPr lang="en-US" sz="1200">
               <a:latin typeface="Garamond" charset="0"/>
@@ -10022,14 +10022,14 @@
           <a:noFill/>
           <a:ln/>
           <a:extLst>
-            <a:ext uri="{909E8E84-426E-40dd-AFC4-6F175D3DCCD1}">
+            <a:ext uri="{909E8E84-426E-40DD-AFC4-6F175D3DCCD1}">
               <a14:hiddenFill xmlns:a14="http://schemas.microsoft.com/office/drawing/2010/main">
                 <a:solidFill>
                   <a:srgbClr val="FFFFFF"/>
                 </a:solidFill>
               </a14:hiddenFill>
             </a:ext>
-            <a:ext uri="{91240B29-F687-4f45-9708-019B960494DF}">
+            <a:ext uri="{91240B29-F687-4F45-9708-019B960494DF}">
               <a14:hiddenLine xmlns:a14="http://schemas.microsoft.com/office/drawing/2010/main" w="9525">
                 <a:solidFill>
                   <a:srgbClr val="000000"/>
@@ -10174,7 +10174,7 @@
   <p:timing>
     <p:tnLst>
       <p:par>
-        <p:cTn xmlns:p14="http://schemas.microsoft.com/office/powerpoint/2010/main" id="1" dur="indefinite" restart="never" nodeType="tmRoot"/>
+        <p:cTn id="1" dur="indefinite" restart="never" nodeType="tmRoot"/>
       </p:par>
     </p:tnLst>
   </p:timing>
@@ -10370,14 +10370,14 @@
           <a:noFill/>
           <a:ln/>
           <a:extLst>
-            <a:ext uri="{909E8E84-426E-40dd-AFC4-6F175D3DCCD1}">
+            <a:ext uri="{909E8E84-426E-40DD-AFC4-6F175D3DCCD1}">
               <a14:hiddenFill xmlns:a14="http://schemas.microsoft.com/office/drawing/2010/main">
                 <a:solidFill>
                   <a:srgbClr val="FFFFFF"/>
                 </a:solidFill>
               </a14:hiddenFill>
             </a:ext>
-            <a:ext uri="{91240B29-F687-4f45-9708-019B960494DF}">
+            <a:ext uri="{91240B29-F687-4F45-9708-019B960494DF}">
               <a14:hiddenLine xmlns:a14="http://schemas.microsoft.com/office/drawing/2010/main" w="9525">
                 <a:solidFill>
                   <a:srgbClr val="000000"/>
@@ -10484,7 +10484,7 @@
               <a:rPr lang="en-US" sz="1200" smtClean="0">
                 <a:latin typeface="Garamond" charset="0"/>
               </a:rPr>
-              <a:t>6/13/16</a:t>
+              <a:t>6/16/2016</a:t>
             </a:fld>
             <a:endParaRPr lang="en-US" sz="1200">
               <a:latin typeface="Garamond" charset="0"/>
@@ -10532,14 +10532,14 @@
           <a:noFill/>
           <a:ln/>
           <a:extLst>
-            <a:ext uri="{909E8E84-426E-40dd-AFC4-6F175D3DCCD1}">
+            <a:ext uri="{909E8E84-426E-40DD-AFC4-6F175D3DCCD1}">
               <a14:hiddenFill xmlns:a14="http://schemas.microsoft.com/office/drawing/2010/main">
                 <a:solidFill>
                   <a:srgbClr val="FFFFFF"/>
                 </a:solidFill>
               </a14:hiddenFill>
             </a:ext>
-            <a:ext uri="{91240B29-F687-4f45-9708-019B960494DF}">
+            <a:ext uri="{91240B29-F687-4F45-9708-019B960494DF}">
               <a14:hiddenLine xmlns:a14="http://schemas.microsoft.com/office/drawing/2010/main" w="9525">
                 <a:solidFill>
                   <a:srgbClr val="000000"/>
@@ -10668,7 +10668,7 @@
   <p:timing>
     <p:tnLst>
       <p:par>
-        <p:cTn xmlns:p14="http://schemas.microsoft.com/office/powerpoint/2010/main" id="1" dur="indefinite" restart="never" nodeType="tmRoot"/>
+        <p:cTn id="1" dur="indefinite" restart="never" nodeType="tmRoot"/>
       </p:par>
     </p:tnLst>
   </p:timing>
@@ -11137,14 +11137,14 @@
           <a:noFill/>
           <a:ln/>
           <a:extLst>
-            <a:ext uri="{909E8E84-426E-40dd-AFC4-6F175D3DCCD1}">
+            <a:ext uri="{909E8E84-426E-40DD-AFC4-6F175D3DCCD1}">
               <a14:hiddenFill xmlns:a14="http://schemas.microsoft.com/office/drawing/2010/main">
                 <a:solidFill>
                   <a:srgbClr val="FFFFFF"/>
                 </a:solidFill>
               </a14:hiddenFill>
             </a:ext>
-            <a:ext uri="{91240B29-F687-4f45-9708-019B960494DF}">
+            <a:ext uri="{91240B29-F687-4F45-9708-019B960494DF}">
               <a14:hiddenLine xmlns:a14="http://schemas.microsoft.com/office/drawing/2010/main" w="9525">
                 <a:solidFill>
                   <a:srgbClr val="000000"/>
@@ -11274,14 +11274,14 @@
           <a:noFill/>
           <a:ln/>
           <a:extLst>
-            <a:ext uri="{909E8E84-426E-40dd-AFC4-6F175D3DCCD1}">
+            <a:ext uri="{909E8E84-426E-40DD-AFC4-6F175D3DCCD1}">
               <a14:hiddenFill xmlns:a14="http://schemas.microsoft.com/office/drawing/2010/main">
                 <a:solidFill>
                   <a:srgbClr val="FFFFFF"/>
                 </a:solidFill>
               </a14:hiddenFill>
             </a:ext>
-            <a:ext uri="{91240B29-F687-4f45-9708-019B960494DF}">
+            <a:ext uri="{91240B29-F687-4F45-9708-019B960494DF}">
               <a14:hiddenLine xmlns:a14="http://schemas.microsoft.com/office/drawing/2010/main" w="9525">
                 <a:solidFill>
                   <a:srgbClr val="000000"/>
@@ -11388,7 +11388,7 @@
               <a:rPr lang="en-US" sz="1200" smtClean="0">
                 <a:latin typeface="Garamond" charset="0"/>
               </a:rPr>
-              <a:t>6/13/16</a:t>
+              <a:t>6/16/2016</a:t>
             </a:fld>
             <a:endParaRPr lang="en-US" sz="1200">
               <a:latin typeface="Garamond" charset="0"/>
@@ -11409,7 +11409,7 @@
   <p:timing>
     <p:tnLst>
       <p:par>
-        <p:cTn xmlns:p14="http://schemas.microsoft.com/office/powerpoint/2010/main" id="1" dur="indefinite" restart="never" nodeType="tmRoot"/>
+        <p:cTn id="1" dur="indefinite" restart="never" nodeType="tmRoot"/>
       </p:par>
     </p:tnLst>
   </p:timing>
@@ -11620,14 +11620,14 @@
           <a:noFill/>
           <a:ln/>
           <a:extLst>
-            <a:ext uri="{909E8E84-426E-40dd-AFC4-6F175D3DCCD1}">
+            <a:ext uri="{909E8E84-426E-40DD-AFC4-6F175D3DCCD1}">
               <a14:hiddenFill xmlns:a14="http://schemas.microsoft.com/office/drawing/2010/main">
                 <a:solidFill>
                   <a:srgbClr val="FFFFFF"/>
                 </a:solidFill>
               </a14:hiddenFill>
             </a:ext>
-            <a:ext uri="{91240B29-F687-4f45-9708-019B960494DF}">
+            <a:ext uri="{91240B29-F687-4F45-9708-019B960494DF}">
               <a14:hiddenLine xmlns:a14="http://schemas.microsoft.com/office/drawing/2010/main" w="9525">
                 <a:solidFill>
                   <a:srgbClr val="000000"/>
@@ -11734,7 +11734,7 @@
               <a:rPr lang="en-US" sz="1200" smtClean="0">
                 <a:latin typeface="Garamond" charset="0"/>
               </a:rPr>
-              <a:t>6/13/16</a:t>
+              <a:t>6/16/2016</a:t>
             </a:fld>
             <a:endParaRPr lang="en-US" sz="1200">
               <a:latin typeface="Garamond" charset="0"/>
@@ -11782,14 +11782,14 @@
           <a:noFill/>
           <a:ln/>
           <a:extLst>
-            <a:ext uri="{909E8E84-426E-40dd-AFC4-6F175D3DCCD1}">
+            <a:ext uri="{909E8E84-426E-40DD-AFC4-6F175D3DCCD1}">
               <a14:hiddenFill xmlns:a14="http://schemas.microsoft.com/office/drawing/2010/main">
                 <a:solidFill>
                   <a:srgbClr val="FFFFFF"/>
                 </a:solidFill>
               </a14:hiddenFill>
             </a:ext>
-            <a:ext uri="{91240B29-F687-4f45-9708-019B960494DF}">
+            <a:ext uri="{91240B29-F687-4F45-9708-019B960494DF}">
               <a14:hiddenLine xmlns:a14="http://schemas.microsoft.com/office/drawing/2010/main" w="9525">
                 <a:solidFill>
                   <a:srgbClr val="000000"/>
@@ -11918,7 +11918,7 @@
   <p:timing>
     <p:tnLst>
       <p:par>
-        <p:cTn xmlns:p14="http://schemas.microsoft.com/office/powerpoint/2010/main" id="1" dur="indefinite" restart="never" nodeType="tmRoot"/>
+        <p:cTn id="1" dur="indefinite" restart="never" nodeType="tmRoot"/>
       </p:par>
     </p:tnLst>
   </p:timing>
@@ -12389,14 +12389,14 @@
           <a:noFill/>
           <a:ln/>
           <a:extLst>
-            <a:ext uri="{909E8E84-426E-40dd-AFC4-6F175D3DCCD1}">
+            <a:ext uri="{909E8E84-426E-40DD-AFC4-6F175D3DCCD1}">
               <a14:hiddenFill xmlns:a14="http://schemas.microsoft.com/office/drawing/2010/main">
                 <a:solidFill>
                   <a:srgbClr val="FFFFFF"/>
                 </a:solidFill>
               </a14:hiddenFill>
             </a:ext>
-            <a:ext uri="{91240B29-F687-4f45-9708-019B960494DF}">
+            <a:ext uri="{91240B29-F687-4F45-9708-019B960494DF}">
               <a14:hiddenLine xmlns:a14="http://schemas.microsoft.com/office/drawing/2010/main" w="9525">
                 <a:solidFill>
                   <a:srgbClr val="000000"/>
@@ -12503,7 +12503,7 @@
               <a:rPr lang="en-US" sz="1200" smtClean="0">
                 <a:latin typeface="Garamond" charset="0"/>
               </a:rPr>
-              <a:t>6/13/16</a:t>
+              <a:t>6/16/2016</a:t>
             </a:fld>
             <a:endParaRPr lang="en-US" sz="1200">
               <a:latin typeface="Garamond" charset="0"/>
@@ -12551,14 +12551,14 @@
           <a:noFill/>
           <a:ln/>
           <a:extLst>
-            <a:ext uri="{909E8E84-426E-40dd-AFC4-6F175D3DCCD1}">
+            <a:ext uri="{909E8E84-426E-40DD-AFC4-6F175D3DCCD1}">
               <a14:hiddenFill xmlns:a14="http://schemas.microsoft.com/office/drawing/2010/main">
                 <a:solidFill>
                   <a:srgbClr val="FFFFFF"/>
                 </a:solidFill>
               </a14:hiddenFill>
             </a:ext>
-            <a:ext uri="{91240B29-F687-4f45-9708-019B960494DF}">
+            <a:ext uri="{91240B29-F687-4F45-9708-019B960494DF}">
               <a14:hiddenLine xmlns:a14="http://schemas.microsoft.com/office/drawing/2010/main" w="9525">
                 <a:solidFill>
                   <a:srgbClr val="000000"/>
@@ -12687,7 +12687,7 @@
   <p:timing>
     <p:tnLst>
       <p:par>
-        <p:cTn xmlns:p14="http://schemas.microsoft.com/office/powerpoint/2010/main" id="1" dur="indefinite" restart="never" nodeType="tmRoot"/>
+        <p:cTn id="1" dur="indefinite" restart="never" nodeType="tmRoot"/>
       </p:par>
     </p:tnLst>
   </p:timing>
@@ -12963,14 +12963,14 @@
           <a:noFill/>
           <a:ln/>
           <a:extLst>
-            <a:ext uri="{909E8E84-426E-40dd-AFC4-6F175D3DCCD1}">
+            <a:ext uri="{909E8E84-426E-40DD-AFC4-6F175D3DCCD1}">
               <a14:hiddenFill xmlns:a14="http://schemas.microsoft.com/office/drawing/2010/main">
                 <a:solidFill>
                   <a:srgbClr val="FFFFFF"/>
                 </a:solidFill>
               </a14:hiddenFill>
             </a:ext>
-            <a:ext uri="{91240B29-F687-4f45-9708-019B960494DF}">
+            <a:ext uri="{91240B29-F687-4F45-9708-019B960494DF}">
               <a14:hiddenLine xmlns:a14="http://schemas.microsoft.com/office/drawing/2010/main" w="9525">
                 <a:solidFill>
                   <a:srgbClr val="000000"/>
@@ -13077,7 +13077,7 @@
               <a:rPr lang="en-US" sz="1200" smtClean="0">
                 <a:latin typeface="Garamond" charset="0"/>
               </a:rPr>
-              <a:t>6/13/16</a:t>
+              <a:t>6/16/2016</a:t>
             </a:fld>
             <a:endParaRPr lang="en-US" sz="1200">
               <a:latin typeface="Garamond" charset="0"/>
@@ -13125,14 +13125,14 @@
           <a:noFill/>
           <a:ln/>
           <a:extLst>
-            <a:ext uri="{909E8E84-426E-40dd-AFC4-6F175D3DCCD1}">
+            <a:ext uri="{909E8E84-426E-40DD-AFC4-6F175D3DCCD1}">
               <a14:hiddenFill xmlns:a14="http://schemas.microsoft.com/office/drawing/2010/main">
                 <a:solidFill>
                   <a:srgbClr val="FFFFFF"/>
                 </a:solidFill>
               </a14:hiddenFill>
             </a:ext>
-            <a:ext uri="{91240B29-F687-4f45-9708-019B960494DF}">
+            <a:ext uri="{91240B29-F687-4F45-9708-019B960494DF}">
               <a14:hiddenLine xmlns:a14="http://schemas.microsoft.com/office/drawing/2010/main" w="9525">
                 <a:solidFill>
                   <a:srgbClr val="000000"/>
@@ -13261,7 +13261,7 @@
   <p:timing>
     <p:tnLst>
       <p:par>
-        <p:cTn xmlns:p14="http://schemas.microsoft.com/office/powerpoint/2010/main" id="1" dur="indefinite" restart="never" nodeType="tmRoot"/>
+        <p:cTn id="1" dur="indefinite" restart="never" nodeType="tmRoot"/>
       </p:par>
     </p:tnLst>
   </p:timing>
@@ -13783,14 +13783,14 @@
           <a:noFill/>
           <a:ln/>
           <a:extLst>
-            <a:ext uri="{909E8E84-426E-40dd-AFC4-6F175D3DCCD1}">
+            <a:ext uri="{909E8E84-426E-40DD-AFC4-6F175D3DCCD1}">
               <a14:hiddenFill xmlns:a14="http://schemas.microsoft.com/office/drawing/2010/main">
                 <a:solidFill>
                   <a:srgbClr val="FFFFFF"/>
                 </a:solidFill>
               </a14:hiddenFill>
             </a:ext>
-            <a:ext uri="{91240B29-F687-4f45-9708-019B960494DF}">
+            <a:ext uri="{91240B29-F687-4F45-9708-019B960494DF}">
               <a14:hiddenLine xmlns:a14="http://schemas.microsoft.com/office/drawing/2010/main" w="9525">
                 <a:solidFill>
                   <a:srgbClr val="000000"/>
@@ -13897,7 +13897,7 @@
               <a:rPr lang="en-US" sz="1200" smtClean="0">
                 <a:latin typeface="Garamond" charset="0"/>
               </a:rPr>
-              <a:t>6/13/16</a:t>
+              <a:t>6/16/2016</a:t>
             </a:fld>
             <a:endParaRPr lang="en-US" sz="1200">
               <a:latin typeface="Garamond" charset="0"/>
@@ -13945,14 +13945,14 @@
           <a:noFill/>
           <a:ln/>
           <a:extLst>
-            <a:ext uri="{909E8E84-426E-40dd-AFC4-6F175D3DCCD1}">
+            <a:ext uri="{909E8E84-426E-40DD-AFC4-6F175D3DCCD1}">
               <a14:hiddenFill xmlns:a14="http://schemas.microsoft.com/office/drawing/2010/main">
                 <a:solidFill>
                   <a:srgbClr val="FFFFFF"/>
                 </a:solidFill>
               </a14:hiddenFill>
             </a:ext>
-            <a:ext uri="{91240B29-F687-4f45-9708-019B960494DF}">
+            <a:ext uri="{91240B29-F687-4F45-9708-019B960494DF}">
               <a14:hiddenLine xmlns:a14="http://schemas.microsoft.com/office/drawing/2010/main" w="9525">
                 <a:solidFill>
                   <a:srgbClr val="000000"/>
@@ -14081,7 +14081,7 @@
   <p:timing>
     <p:tnLst>
       <p:par>
-        <p:cTn xmlns:p14="http://schemas.microsoft.com/office/powerpoint/2010/main" id="1" dur="indefinite" restart="never" nodeType="tmRoot"/>
+        <p:cTn id="1" dur="indefinite" restart="never" nodeType="tmRoot"/>
       </p:par>
     </p:tnLst>
   </p:timing>
@@ -14145,14 +14145,14 @@
           <a:noFill/>
           <a:ln/>
           <a:extLst>
-            <a:ext uri="{909E8E84-426E-40dd-AFC4-6F175D3DCCD1}">
+            <a:ext uri="{909E8E84-426E-40DD-AFC4-6F175D3DCCD1}">
               <a14:hiddenFill xmlns:a14="http://schemas.microsoft.com/office/drawing/2010/main">
                 <a:solidFill>
                   <a:srgbClr val="FFFFFF"/>
                 </a:solidFill>
               </a14:hiddenFill>
             </a:ext>
-            <a:ext uri="{91240B29-F687-4f45-9708-019B960494DF}">
+            <a:ext uri="{91240B29-F687-4F45-9708-019B960494DF}">
               <a14:hiddenLine xmlns:a14="http://schemas.microsoft.com/office/drawing/2010/main" w="9525">
                 <a:solidFill>
                   <a:srgbClr val="000000"/>
@@ -14717,7 +14717,7 @@
           <a:graphicData uri="http://schemas.openxmlformats.org/presentationml/2006/ole">
             <mc:AlternateContent xmlns:mc="http://schemas.openxmlformats.org/markup-compatibility/2006">
               <mc:Choice xmlns:v="urn:schemas-microsoft-com:vml" Requires="v">
-                <p:oleObj spid="_x0000_s21510" name="Visio" r:id="rId4" imgW="3002604" imgH="4058750" progId="Visio.Drawing.6">
+                <p:oleObj spid="_x0000_s21511" name="Visio" r:id="rId4" imgW="3002604" imgH="4058750" progId="Visio.Drawing.6">
                   <p:embed/>
                 </p:oleObj>
               </mc:Choice>
@@ -14759,14 +14759,14 @@
                       </a:ln>
                       <a:effectLst/>
                       <a:extLst>
-                        <a:ext uri="{909E8E84-426E-40dd-AFC4-6F175D3DCCD1}">
+                        <a:ext uri="{909E8E84-426E-40DD-AFC4-6F175D3DCCD1}">
                           <a14:hiddenFill xmlns:a14="http://schemas.microsoft.com/office/drawing/2010/main">
                             <a:solidFill>
                               <a:srgbClr val="FFFFFF"/>
                             </a:solidFill>
                           </a14:hiddenFill>
                         </a:ext>
-                        <a:ext uri="{91240B29-F687-4f45-9708-019B960494DF}">
+                        <a:ext uri="{91240B29-F687-4F45-9708-019B960494DF}">
                           <a14:hiddenLine xmlns:a14="http://schemas.microsoft.com/office/drawing/2010/main" w="9525">
                             <a:solidFill>
                               <a:srgbClr val="000000"/>
@@ -14776,7 +14776,7 @@
                             <a:tailEnd/>
                           </a14:hiddenLine>
                         </a:ext>
-                        <a:ext uri="{AF507438-7753-43e0-B8FC-AC1667EBCBE1}">
+                        <a:ext uri="{AF507438-7753-43E0-B8FC-AC1667EBCBE1}">
                           <a14:hiddenEffects xmlns:a14="http://schemas.microsoft.com/office/drawing/2010/main">
                             <a:effectLst>
                               <a:outerShdw dist="35921" dir="2700000" algn="ctr" rotWithShape="0">
@@ -14808,14 +14808,14 @@
           <a:noFill/>
           <a:ln/>
           <a:extLst>
-            <a:ext uri="{909E8E84-426E-40dd-AFC4-6F175D3DCCD1}">
+            <a:ext uri="{909E8E84-426E-40DD-AFC4-6F175D3DCCD1}">
               <a14:hiddenFill xmlns:a14="http://schemas.microsoft.com/office/drawing/2010/main">
                 <a:solidFill>
                   <a:srgbClr val="FFFFFF"/>
                 </a:solidFill>
               </a14:hiddenFill>
             </a:ext>
-            <a:ext uri="{91240B29-F687-4f45-9708-019B960494DF}">
+            <a:ext uri="{91240B29-F687-4F45-9708-019B960494DF}">
               <a14:hiddenLine xmlns:a14="http://schemas.microsoft.com/office/drawing/2010/main" w="9525">
                 <a:solidFill>
                   <a:srgbClr val="000000"/>
@@ -14943,7 +14943,7 @@
               <a:rPr lang="en-US" sz="1200" smtClean="0">
                 <a:latin typeface="Garamond" charset="0"/>
               </a:rPr>
-              <a:t>6/13/16</a:t>
+              <a:t>6/16/2016</a:t>
             </a:fld>
             <a:endParaRPr lang="en-US" sz="1200">
               <a:latin typeface="Garamond" charset="0"/>
@@ -14964,7 +14964,7 @@
   <p:timing>
     <p:tnLst>
       <p:par>
-        <p:cTn xmlns:p14="http://schemas.microsoft.com/office/powerpoint/2010/main" id="1" dur="indefinite" restart="never" nodeType="tmRoot"/>
+        <p:cTn id="1" dur="indefinite" restart="never" nodeType="tmRoot"/>
       </p:par>
     </p:tnLst>
   </p:timing>
@@ -15084,13 +15084,7 @@
               <a:rPr lang="en-US" dirty="0" smtClean="0">
                 <a:latin typeface="Arial" charset="0"/>
               </a:rPr>
-              <a:t>Submissions received by 11:59 PM on Wednesday, 6/22 will earn an extra 10</a:t>
-            </a:r>
-            <a:r>
-              <a:rPr lang="en-US" dirty="0" smtClean="0">
-                <a:latin typeface="Arial" charset="0"/>
-              </a:rPr>
-              <a:t>%</a:t>
+              <a:t>Submissions received by 11:59 PM on Wednesday, 6/22 will earn an extra 10%</a:t>
             </a:r>
           </a:p>
           <a:p>
@@ -15256,14 +15250,14 @@
           <a:noFill/>
           <a:ln/>
           <a:extLst>
-            <a:ext uri="{909E8E84-426E-40dd-AFC4-6F175D3DCCD1}">
+            <a:ext uri="{909E8E84-426E-40DD-AFC4-6F175D3DCCD1}">
               <a14:hiddenFill xmlns:a14="http://schemas.microsoft.com/office/drawing/2010/main">
                 <a:solidFill>
                   <a:srgbClr val="FFFFFF"/>
                 </a:solidFill>
               </a14:hiddenFill>
             </a:ext>
-            <a:ext uri="{91240B29-F687-4f45-9708-019B960494DF}">
+            <a:ext uri="{91240B29-F687-4F45-9708-019B960494DF}">
               <a14:hiddenLine xmlns:a14="http://schemas.microsoft.com/office/drawing/2010/main" w="9525">
                 <a:solidFill>
                   <a:srgbClr val="000000"/>
@@ -15391,7 +15385,7 @@
               <a:rPr lang="en-US" sz="1200" smtClean="0">
                 <a:latin typeface="Garamond" charset="0"/>
               </a:rPr>
-              <a:t>6/13/16</a:t>
+              <a:t>6/16/2016</a:t>
             </a:fld>
             <a:endParaRPr lang="en-US" sz="1200">
               <a:latin typeface="Garamond" charset="0"/>
@@ -15439,14 +15433,14 @@
           <a:noFill/>
           <a:ln/>
           <a:extLst>
-            <a:ext uri="{909E8E84-426E-40dd-AFC4-6F175D3DCCD1}">
+            <a:ext uri="{909E8E84-426E-40DD-AFC4-6F175D3DCCD1}">
               <a14:hiddenFill xmlns:a14="http://schemas.microsoft.com/office/drawing/2010/main">
                 <a:solidFill>
                   <a:srgbClr val="FFFFFF"/>
                 </a:solidFill>
               </a14:hiddenFill>
             </a:ext>
-            <a:ext uri="{91240B29-F687-4f45-9708-019B960494DF}">
+            <a:ext uri="{91240B29-F687-4F45-9708-019B960494DF}">
               <a14:hiddenLine xmlns:a14="http://schemas.microsoft.com/office/drawing/2010/main" w="9525">
                 <a:solidFill>
                   <a:srgbClr val="000000"/>
@@ -15591,7 +15585,7 @@
   <p:timing>
     <p:tnLst>
       <p:par>
-        <p:cTn xmlns:p14="http://schemas.microsoft.com/office/powerpoint/2010/main" id="1" dur="indefinite" restart="never" nodeType="tmRoot"/>
+        <p:cTn id="1" dur="indefinite" restart="never" nodeType="tmRoot"/>
       </p:par>
     </p:tnLst>
   </p:timing>
@@ -15818,14 +15812,14 @@
           <a:noFill/>
           <a:ln/>
           <a:extLst>
-            <a:ext uri="{909E8E84-426E-40dd-AFC4-6F175D3DCCD1}">
+            <a:ext uri="{909E8E84-426E-40DD-AFC4-6F175D3DCCD1}">
               <a14:hiddenFill xmlns:a14="http://schemas.microsoft.com/office/drawing/2010/main">
                 <a:solidFill>
                   <a:srgbClr val="FFFFFF"/>
                 </a:solidFill>
               </a14:hiddenFill>
             </a:ext>
-            <a:ext uri="{91240B29-F687-4f45-9708-019B960494DF}">
+            <a:ext uri="{91240B29-F687-4F45-9708-019B960494DF}">
               <a14:hiddenLine xmlns:a14="http://schemas.microsoft.com/office/drawing/2010/main" w="9525">
                 <a:solidFill>
                   <a:srgbClr val="000000"/>
@@ -15953,7 +15947,7 @@
               <a:rPr lang="en-US" sz="1200" smtClean="0">
                 <a:latin typeface="Garamond" charset="0"/>
               </a:rPr>
-              <a:t>6/13/16</a:t>
+              <a:t>6/16/2016</a:t>
             </a:fld>
             <a:endParaRPr lang="en-US" sz="1200">
               <a:latin typeface="Garamond" charset="0"/>
@@ -16001,14 +15995,14 @@
           <a:noFill/>
           <a:ln/>
           <a:extLst>
-            <a:ext uri="{909E8E84-426E-40dd-AFC4-6F175D3DCCD1}">
+            <a:ext uri="{909E8E84-426E-40DD-AFC4-6F175D3DCCD1}">
               <a14:hiddenFill xmlns:a14="http://schemas.microsoft.com/office/drawing/2010/main">
                 <a:solidFill>
                   <a:srgbClr val="FFFFFF"/>
                 </a:solidFill>
               </a14:hiddenFill>
             </a:ext>
-            <a:ext uri="{91240B29-F687-4f45-9708-019B960494DF}">
+            <a:ext uri="{91240B29-F687-4F45-9708-019B960494DF}">
               <a14:hiddenLine xmlns:a14="http://schemas.microsoft.com/office/drawing/2010/main" w="9525">
                 <a:solidFill>
                   <a:srgbClr val="000000"/>
@@ -16158,7 +16152,7 @@
   <p:timing>
     <p:tnLst>
       <p:par>
-        <p:cTn xmlns:p14="http://schemas.microsoft.com/office/powerpoint/2010/main" id="1" dur="indefinite" restart="never" nodeType="tmRoot">
+        <p:cTn id="1" dur="indefinite" restart="never" nodeType="tmRoot">
           <p:childTnLst>
             <p:seq concurrent="1" nextAc="seek">
               <p:cTn id="2" dur="indefinite" nodeType="mainSeq">
@@ -16851,14 +16845,14 @@
           <a:noFill/>
           <a:ln/>
           <a:extLst>
-            <a:ext uri="{909E8E84-426E-40dd-AFC4-6F175D3DCCD1}">
+            <a:ext uri="{909E8E84-426E-40DD-AFC4-6F175D3DCCD1}">
               <a14:hiddenFill xmlns:a14="http://schemas.microsoft.com/office/drawing/2010/main">
                 <a:solidFill>
                   <a:srgbClr val="FFFFFF"/>
                 </a:solidFill>
               </a14:hiddenFill>
             </a:ext>
-            <a:ext uri="{91240B29-F687-4f45-9708-019B960494DF}">
+            <a:ext uri="{91240B29-F687-4F45-9708-019B960494DF}">
               <a14:hiddenLine xmlns:a14="http://schemas.microsoft.com/office/drawing/2010/main" w="9525">
                 <a:solidFill>
                   <a:srgbClr val="000000"/>
@@ -16986,7 +16980,7 @@
               <a:rPr lang="en-US" sz="1200" smtClean="0">
                 <a:latin typeface="Garamond" charset="0"/>
               </a:rPr>
-              <a:t>6/13/16</a:t>
+              <a:t>6/16/2016</a:t>
             </a:fld>
             <a:endParaRPr lang="en-US" sz="1200">
               <a:latin typeface="Garamond" charset="0"/>
@@ -17034,14 +17028,14 @@
           <a:noFill/>
           <a:ln/>
           <a:extLst>
-            <a:ext uri="{909E8E84-426E-40dd-AFC4-6F175D3DCCD1}">
+            <a:ext uri="{909E8E84-426E-40DD-AFC4-6F175D3DCCD1}">
               <a14:hiddenFill xmlns:a14="http://schemas.microsoft.com/office/drawing/2010/main">
                 <a:solidFill>
                   <a:srgbClr val="FFFFFF"/>
                 </a:solidFill>
               </a14:hiddenFill>
             </a:ext>
-            <a:ext uri="{91240B29-F687-4f45-9708-019B960494DF}">
+            <a:ext uri="{91240B29-F687-4F45-9708-019B960494DF}">
               <a14:hiddenLine xmlns:a14="http://schemas.microsoft.com/office/drawing/2010/main" w="9525">
                 <a:solidFill>
                   <a:srgbClr val="000000"/>
@@ -17191,7 +17185,7 @@
   <p:timing>
     <p:tnLst>
       <p:par>
-        <p:cTn xmlns:p14="http://schemas.microsoft.com/office/powerpoint/2010/main" id="1" dur="indefinite" restart="never" nodeType="tmRoot">
+        <p:cTn id="1" dur="indefinite" restart="never" nodeType="tmRoot">
           <p:childTnLst>
             <p:seq concurrent="1" nextAc="seek">
               <p:cTn id="2" dur="indefinite" nodeType="mainSeq">
@@ -17721,14 +17715,14 @@
           <a:noFill/>
           <a:ln/>
           <a:extLst>
-            <a:ext uri="{909E8E84-426E-40dd-AFC4-6F175D3DCCD1}">
+            <a:ext uri="{909E8E84-426E-40DD-AFC4-6F175D3DCCD1}">
               <a14:hiddenFill xmlns:a14="http://schemas.microsoft.com/office/drawing/2010/main">
                 <a:solidFill>
                   <a:srgbClr val="FFFFFF"/>
                 </a:solidFill>
               </a14:hiddenFill>
             </a:ext>
-            <a:ext uri="{91240B29-F687-4f45-9708-019B960494DF}">
+            <a:ext uri="{91240B29-F687-4F45-9708-019B960494DF}">
               <a14:hiddenLine xmlns:a14="http://schemas.microsoft.com/office/drawing/2010/main" w="9525">
                 <a:solidFill>
                   <a:srgbClr val="000000"/>
@@ -17856,7 +17850,7 @@
               <a:rPr lang="en-US" sz="1200" smtClean="0">
                 <a:latin typeface="Garamond" charset="0"/>
               </a:rPr>
-              <a:t>6/13/16</a:t>
+              <a:t>6/16/2016</a:t>
             </a:fld>
             <a:endParaRPr lang="en-US" sz="1200">
               <a:latin typeface="Garamond" charset="0"/>
@@ -17904,14 +17898,14 @@
           <a:noFill/>
           <a:ln/>
           <a:extLst>
-            <a:ext uri="{909E8E84-426E-40dd-AFC4-6F175D3DCCD1}">
+            <a:ext uri="{909E8E84-426E-40DD-AFC4-6F175D3DCCD1}">
               <a14:hiddenFill xmlns:a14="http://schemas.microsoft.com/office/drawing/2010/main">
                 <a:solidFill>
                   <a:srgbClr val="FFFFFF"/>
                 </a:solidFill>
               </a14:hiddenFill>
             </a:ext>
-            <a:ext uri="{91240B29-F687-4f45-9708-019B960494DF}">
+            <a:ext uri="{91240B29-F687-4F45-9708-019B960494DF}">
               <a14:hiddenLine xmlns:a14="http://schemas.microsoft.com/office/drawing/2010/main" w="9525">
                 <a:solidFill>
                   <a:srgbClr val="000000"/>
@@ -18061,7 +18055,7 @@
   <p:timing>
     <p:tnLst>
       <p:par>
-        <p:cTn xmlns:p14="http://schemas.microsoft.com/office/powerpoint/2010/main" id="1" dur="indefinite" restart="never" nodeType="tmRoot"/>
+        <p:cTn id="1" dur="indefinite" restart="never" nodeType="tmRoot"/>
       </p:par>
     </p:tnLst>
   </p:timing>
@@ -18204,7 +18198,7 @@
           <a:graphicData uri="http://schemas.openxmlformats.org/presentationml/2006/ole">
             <mc:AlternateContent xmlns:mc="http://schemas.openxmlformats.org/markup-compatibility/2006">
               <mc:Choice xmlns:v="urn:schemas-microsoft-com:vml" Requires="v">
-                <p:oleObj spid="_x0000_s27654" name="Visio" r:id="rId4" imgW="2537507" imgH="1882093" progId="Visio.Drawing.6">
+                <p:oleObj spid="_x0000_s27655" name="Visio" r:id="rId4" imgW="2537507" imgH="1882093" progId="Visio.Drawing.6">
                   <p:embed/>
                 </p:oleObj>
               </mc:Choice>
@@ -18246,14 +18240,14 @@
                       </a:ln>
                       <a:effectLst/>
                       <a:extLst>
-                        <a:ext uri="{909E8E84-426E-40dd-AFC4-6F175D3DCCD1}">
+                        <a:ext uri="{909E8E84-426E-40DD-AFC4-6F175D3DCCD1}">
                           <a14:hiddenFill xmlns:a14="http://schemas.microsoft.com/office/drawing/2010/main">
                             <a:solidFill>
                               <a:srgbClr val="FFFFFF"/>
                             </a:solidFill>
                           </a14:hiddenFill>
                         </a:ext>
-                        <a:ext uri="{91240B29-F687-4f45-9708-019B960494DF}">
+                        <a:ext uri="{91240B29-F687-4F45-9708-019B960494DF}">
                           <a14:hiddenLine xmlns:a14="http://schemas.microsoft.com/office/drawing/2010/main" w="9525">
                             <a:solidFill>
                               <a:srgbClr val="000000"/>
@@ -18263,7 +18257,7 @@
                             <a:tailEnd/>
                           </a14:hiddenLine>
                         </a:ext>
-                        <a:ext uri="{AF507438-7753-43e0-B8FC-AC1667EBCBE1}">
+                        <a:ext uri="{AF507438-7753-43E0-B8FC-AC1667EBCBE1}">
                           <a14:hiddenEffects xmlns:a14="http://schemas.microsoft.com/office/drawing/2010/main">
                             <a:effectLst>
                               <a:outerShdw dist="35921" dir="2700000" algn="ctr" rotWithShape="0">
@@ -18295,14 +18289,14 @@
           <a:noFill/>
           <a:ln/>
           <a:extLst>
-            <a:ext uri="{909E8E84-426E-40dd-AFC4-6F175D3DCCD1}">
+            <a:ext uri="{909E8E84-426E-40DD-AFC4-6F175D3DCCD1}">
               <a14:hiddenFill xmlns:a14="http://schemas.microsoft.com/office/drawing/2010/main">
                 <a:solidFill>
                   <a:srgbClr val="FFFFFF"/>
                 </a:solidFill>
               </a14:hiddenFill>
             </a:ext>
-            <a:ext uri="{91240B29-F687-4f45-9708-019B960494DF}">
+            <a:ext uri="{91240B29-F687-4F45-9708-019B960494DF}">
               <a14:hiddenLine xmlns:a14="http://schemas.microsoft.com/office/drawing/2010/main" w="9525">
                 <a:solidFill>
                   <a:srgbClr val="000000"/>
@@ -18430,7 +18424,7 @@
               <a:rPr lang="en-US" sz="1200" smtClean="0">
                 <a:latin typeface="Garamond" charset="0"/>
               </a:rPr>
-              <a:t>6/13/16</a:t>
+              <a:t>6/16/2016</a:t>
             </a:fld>
             <a:endParaRPr lang="en-US" sz="1200">
               <a:latin typeface="Garamond" charset="0"/>
@@ -18478,14 +18472,14 @@
           <a:noFill/>
           <a:ln/>
           <a:extLst>
-            <a:ext uri="{909E8E84-426E-40dd-AFC4-6F175D3DCCD1}">
+            <a:ext uri="{909E8E84-426E-40DD-AFC4-6F175D3DCCD1}">
               <a14:hiddenFill xmlns:a14="http://schemas.microsoft.com/office/drawing/2010/main">
                 <a:solidFill>
                   <a:srgbClr val="FFFFFF"/>
                 </a:solidFill>
               </a14:hiddenFill>
             </a:ext>
-            <a:ext uri="{91240B29-F687-4f45-9708-019B960494DF}">
+            <a:ext uri="{91240B29-F687-4F45-9708-019B960494DF}">
               <a14:hiddenLine xmlns:a14="http://schemas.microsoft.com/office/drawing/2010/main" w="9525">
                 <a:solidFill>
                   <a:srgbClr val="000000"/>
@@ -18635,7 +18629,7 @@
   <p:timing>
     <p:tnLst>
       <p:par>
-        <p:cTn xmlns:p14="http://schemas.microsoft.com/office/powerpoint/2010/main" id="1" dur="indefinite" restart="never" nodeType="tmRoot"/>
+        <p:cTn id="1" dur="indefinite" restart="never" nodeType="tmRoot"/>
       </p:par>
     </p:tnLst>
   </p:timing>
@@ -18799,7 +18793,7 @@
           <a:graphicData uri="http://schemas.openxmlformats.org/presentationml/2006/ole">
             <mc:AlternateContent xmlns:mc="http://schemas.openxmlformats.org/markup-compatibility/2006">
               <mc:Choice xmlns:v="urn:schemas-microsoft-com:vml" Requires="v">
-                <p:oleObj spid="_x0000_s29702" name="Visio" r:id="rId4" imgW="4833524" imgH="3184989" progId="Visio.Drawing.6">
+                <p:oleObj spid="_x0000_s29703" name="Visio" r:id="rId4" imgW="4833524" imgH="3184989" progId="Visio.Drawing.6">
                   <p:embed/>
                 </p:oleObj>
               </mc:Choice>
@@ -18841,14 +18835,14 @@
                       </a:ln>
                       <a:effectLst/>
                       <a:extLst>
-                        <a:ext uri="{909E8E84-426E-40dd-AFC4-6F175D3DCCD1}">
+                        <a:ext uri="{909E8E84-426E-40DD-AFC4-6F175D3DCCD1}">
                           <a14:hiddenFill xmlns:a14="http://schemas.microsoft.com/office/drawing/2010/main">
                             <a:solidFill>
                               <a:srgbClr val="FFFFFF"/>
                             </a:solidFill>
                           </a14:hiddenFill>
                         </a:ext>
-                        <a:ext uri="{91240B29-F687-4f45-9708-019B960494DF}">
+                        <a:ext uri="{91240B29-F687-4F45-9708-019B960494DF}">
                           <a14:hiddenLine xmlns:a14="http://schemas.microsoft.com/office/drawing/2010/main" w="9525">
                             <a:solidFill>
                               <a:srgbClr val="000000"/>
@@ -18858,7 +18852,7 @@
                             <a:tailEnd/>
                           </a14:hiddenLine>
                         </a:ext>
-                        <a:ext uri="{AF507438-7753-43e0-B8FC-AC1667EBCBE1}">
+                        <a:ext uri="{AF507438-7753-43E0-B8FC-AC1667EBCBE1}">
                           <a14:hiddenEffects xmlns:a14="http://schemas.microsoft.com/office/drawing/2010/main">
                             <a:effectLst>
                               <a:outerShdw dist="35921" dir="2700000" algn="ctr" rotWithShape="0">
@@ -18890,14 +18884,14 @@
           <a:noFill/>
           <a:ln/>
           <a:extLst>
-            <a:ext uri="{909E8E84-426E-40dd-AFC4-6F175D3DCCD1}">
+            <a:ext uri="{909E8E84-426E-40DD-AFC4-6F175D3DCCD1}">
               <a14:hiddenFill xmlns:a14="http://schemas.microsoft.com/office/drawing/2010/main">
                 <a:solidFill>
                   <a:srgbClr val="FFFFFF"/>
                 </a:solidFill>
               </a14:hiddenFill>
             </a:ext>
-            <a:ext uri="{91240B29-F687-4f45-9708-019B960494DF}">
+            <a:ext uri="{91240B29-F687-4F45-9708-019B960494DF}">
               <a14:hiddenLine xmlns:a14="http://schemas.microsoft.com/office/drawing/2010/main" w="9525">
                 <a:solidFill>
                   <a:srgbClr val="000000"/>
@@ -19025,7 +19019,7 @@
               <a:rPr lang="en-US" sz="1200" smtClean="0">
                 <a:latin typeface="Garamond" charset="0"/>
               </a:rPr>
-              <a:t>6/13/16</a:t>
+              <a:t>6/16/2016</a:t>
             </a:fld>
             <a:endParaRPr lang="en-US" sz="1200">
               <a:latin typeface="Garamond" charset="0"/>
@@ -19073,14 +19067,14 @@
           <a:noFill/>
           <a:ln/>
           <a:extLst>
-            <a:ext uri="{909E8E84-426E-40dd-AFC4-6F175D3DCCD1}">
+            <a:ext uri="{909E8E84-426E-40DD-AFC4-6F175D3DCCD1}">
               <a14:hiddenFill xmlns:a14="http://schemas.microsoft.com/office/drawing/2010/main">
                 <a:solidFill>
                   <a:srgbClr val="FFFFFF"/>
                 </a:solidFill>
               </a14:hiddenFill>
             </a:ext>
-            <a:ext uri="{91240B29-F687-4f45-9708-019B960494DF}">
+            <a:ext uri="{91240B29-F687-4F45-9708-019B960494DF}">
               <a14:hiddenLine xmlns:a14="http://schemas.microsoft.com/office/drawing/2010/main" w="9525">
                 <a:solidFill>
                   <a:srgbClr val="000000"/>
@@ -19230,7 +19224,7 @@
   <p:timing>
     <p:tnLst>
       <p:par>
-        <p:cTn xmlns:p14="http://schemas.microsoft.com/office/powerpoint/2010/main" id="1" dur="indefinite" restart="never" nodeType="tmRoot"/>
+        <p:cTn id="1" dur="indefinite" restart="never" nodeType="tmRoot"/>
       </p:par>
     </p:tnLst>
   </p:timing>
@@ -19313,14 +19307,14 @@
           <a:noFill/>
           <a:ln/>
           <a:extLst>
-            <a:ext uri="{909E8E84-426E-40dd-AFC4-6F175D3DCCD1}">
+            <a:ext uri="{909E8E84-426E-40DD-AFC4-6F175D3DCCD1}">
               <a14:hiddenFill xmlns:a14="http://schemas.microsoft.com/office/drawing/2010/main">
                 <a:solidFill>
                   <a:srgbClr val="FFFFFF"/>
                 </a:solidFill>
               </a14:hiddenFill>
             </a:ext>
-            <a:ext uri="{91240B29-F687-4f45-9708-019B960494DF}">
+            <a:ext uri="{91240B29-F687-4F45-9708-019B960494DF}">
               <a14:hiddenLine xmlns:a14="http://schemas.microsoft.com/office/drawing/2010/main" w="9525">
                 <a:solidFill>
                   <a:srgbClr val="000000"/>
@@ -19448,7 +19442,7 @@
               <a:rPr lang="en-US" sz="1200" smtClean="0">
                 <a:latin typeface="Garamond" charset="0"/>
               </a:rPr>
-              <a:t>6/13/16</a:t>
+              <a:t>6/16/2016</a:t>
             </a:fld>
             <a:endParaRPr lang="en-US" sz="1200">
               <a:latin typeface="Garamond" charset="0"/>
@@ -19496,14 +19490,14 @@
           <a:noFill/>
           <a:ln/>
           <a:extLst>
-            <a:ext uri="{909E8E84-426E-40dd-AFC4-6F175D3DCCD1}">
+            <a:ext uri="{909E8E84-426E-40DD-AFC4-6F175D3DCCD1}">
               <a14:hiddenFill xmlns:a14="http://schemas.microsoft.com/office/drawing/2010/main">
                 <a:solidFill>
                   <a:srgbClr val="FFFFFF"/>
                 </a:solidFill>
               </a14:hiddenFill>
             </a:ext>
-            <a:ext uri="{91240B29-F687-4f45-9708-019B960494DF}">
+            <a:ext uri="{91240B29-F687-4F45-9708-019B960494DF}">
               <a14:hiddenLine xmlns:a14="http://schemas.microsoft.com/office/drawing/2010/main" w="9525">
                 <a:solidFill>
                   <a:srgbClr val="000000"/>
@@ -19662,14 +19656,14 @@
           </a:ln>
           <a:effectLst/>
           <a:extLst>
-            <a:ext uri="{909E8E84-426E-40dd-AFC4-6F175D3DCCD1}">
+            <a:ext uri="{909E8E84-426E-40DD-AFC4-6F175D3DCCD1}">
               <a14:hiddenFill xmlns:a14="http://schemas.microsoft.com/office/drawing/2010/main">
                 <a:solidFill>
                   <a:schemeClr val="accent1"/>
                 </a:solidFill>
               </a14:hiddenFill>
             </a:ext>
-            <a:ext uri="{91240B29-F687-4f45-9708-019B960494DF}">
+            <a:ext uri="{91240B29-F687-4F45-9708-019B960494DF}">
               <a14:hiddenLine xmlns:a14="http://schemas.microsoft.com/office/drawing/2010/main" w="9525">
                 <a:solidFill>
                   <a:schemeClr val="tx1"/>
@@ -19679,7 +19673,7 @@
                 <a:tailEnd/>
               </a14:hiddenLine>
             </a:ext>
-            <a:ext uri="{AF507438-7753-43e0-B8FC-AC1667EBCBE1}">
+            <a:ext uri="{AF507438-7753-43E0-B8FC-AC1667EBCBE1}">
               <a14:hiddenEffects xmlns:a14="http://schemas.microsoft.com/office/drawing/2010/main">
                 <a:effectLst>
                   <a:outerShdw blurRad="63500" dist="38099" dir="2700000" algn="ctr" rotWithShape="0">
@@ -20209,7 +20203,7 @@
   <p:timing>
     <p:tnLst>
       <p:par>
-        <p:cTn xmlns:p14="http://schemas.microsoft.com/office/powerpoint/2010/main" id="1" dur="indefinite" restart="never" nodeType="tmRoot"/>
+        <p:cTn id="1" dur="indefinite" restart="never" nodeType="tmRoot"/>
       </p:par>
     </p:tnLst>
   </p:timing>
@@ -20375,14 +20369,14 @@
           <a:noFill/>
           <a:ln/>
           <a:extLst>
-            <a:ext uri="{909E8E84-426E-40dd-AFC4-6F175D3DCCD1}">
+            <a:ext uri="{909E8E84-426E-40DD-AFC4-6F175D3DCCD1}">
               <a14:hiddenFill xmlns:a14="http://schemas.microsoft.com/office/drawing/2010/main">
                 <a:solidFill>
                   <a:srgbClr val="FFFFFF"/>
                 </a:solidFill>
               </a14:hiddenFill>
             </a:ext>
-            <a:ext uri="{91240B29-F687-4f45-9708-019B960494DF}">
+            <a:ext uri="{91240B29-F687-4F45-9708-019B960494DF}">
               <a14:hiddenLine xmlns:a14="http://schemas.microsoft.com/office/drawing/2010/main" w="9525">
                 <a:solidFill>
                   <a:srgbClr val="000000"/>
@@ -20510,7 +20504,7 @@
               <a:rPr lang="en-US" sz="1200" smtClean="0">
                 <a:latin typeface="Garamond" charset="0"/>
               </a:rPr>
-              <a:t>6/13/16</a:t>
+              <a:t>6/16/2016</a:t>
             </a:fld>
             <a:endParaRPr lang="en-US" sz="1200">
               <a:latin typeface="Garamond" charset="0"/>
@@ -20558,14 +20552,14 @@
           <a:noFill/>
           <a:ln/>
           <a:extLst>
-            <a:ext uri="{909E8E84-426E-40dd-AFC4-6F175D3DCCD1}">
+            <a:ext uri="{909E8E84-426E-40DD-AFC4-6F175D3DCCD1}">
               <a14:hiddenFill xmlns:a14="http://schemas.microsoft.com/office/drawing/2010/main">
                 <a:solidFill>
                   <a:srgbClr val="FFFFFF"/>
                 </a:solidFill>
               </a14:hiddenFill>
             </a:ext>
-            <a:ext uri="{91240B29-F687-4f45-9708-019B960494DF}">
+            <a:ext uri="{91240B29-F687-4F45-9708-019B960494DF}">
               <a14:hiddenLine xmlns:a14="http://schemas.microsoft.com/office/drawing/2010/main" w="9525">
                 <a:solidFill>
                   <a:srgbClr val="000000"/>
@@ -20715,7 +20709,7 @@
   <p:timing>
     <p:tnLst>
       <p:par>
-        <p:cTn xmlns:p14="http://schemas.microsoft.com/office/powerpoint/2010/main" id="1" dur="indefinite" restart="never" nodeType="tmRoot">
+        <p:cTn id="1" dur="indefinite" restart="never" nodeType="tmRoot">
           <p:childTnLst>
             <p:seq concurrent="1" nextAc="seek">
               <p:cTn id="2" dur="indefinite" nodeType="mainSeq">
@@ -21059,11 +21053,14 @@
               <a:buNone/>
             </a:pPr>
             <a:r>
-              <a:rPr lang="en-US" sz="1600">
+              <a:rPr lang="en-US" sz="1600" dirty="0" err="1">
                 <a:latin typeface="Arial" charset="0"/>
               </a:rPr>
               <a:t>BlinkTable</a:t>
             </a:r>
+            <a:endParaRPr lang="en-US" sz="1600" dirty="0">
+              <a:latin typeface="Arial" charset="0"/>
+            </a:endParaRPr>
           </a:p>
           <a:p>
             <a:pPr>
@@ -21074,13 +21071,25 @@
               <a:buNone/>
             </a:pPr>
             <a:r>
-              <a:rPr lang="en-US" sz="1600">
-                <a:latin typeface="Arial" charset="0"/>
-              </a:rPr>
-              <a:t>	movf	  PORTD, W	</a:t>
-            </a:r>
-            <a:r>
-              <a:rPr lang="en-US" sz="1600">
+              <a:rPr lang="en-US" sz="1600" dirty="0">
+                <a:latin typeface="Arial" charset="0"/>
+              </a:rPr>
+              <a:t>	</a:t>
+            </a:r>
+            <a:r>
+              <a:rPr lang="en-US" sz="1600" dirty="0" err="1">
+                <a:latin typeface="Arial" charset="0"/>
+              </a:rPr>
+              <a:t>movf</a:t>
+            </a:r>
+            <a:r>
+              <a:rPr lang="en-US" sz="1600" dirty="0">
+                <a:latin typeface="Arial" charset="0"/>
+              </a:rPr>
+              <a:t>	  PORTD, W	</a:t>
+            </a:r>
+            <a:r>
+              <a:rPr lang="en-US" sz="1600" dirty="0">
                 <a:solidFill>
                   <a:srgbClr val="058795"/>
                 </a:solidFill>
@@ -21098,13 +21107,25 @@
               <a:buNone/>
             </a:pPr>
             <a:r>
-              <a:rPr lang="en-US" sz="1600">
-                <a:latin typeface="Arial" charset="0"/>
-              </a:rPr>
-              <a:t>	andlw	  B'00000111'	</a:t>
-            </a:r>
-            <a:r>
-              <a:rPr lang="en-US" sz="1600">
+              <a:rPr lang="en-US" sz="1600" dirty="0">
+                <a:latin typeface="Arial" charset="0"/>
+              </a:rPr>
+              <a:t>	</a:t>
+            </a:r>
+            <a:r>
+              <a:rPr lang="en-US" sz="1600" dirty="0" err="1">
+                <a:latin typeface="Arial" charset="0"/>
+              </a:rPr>
+              <a:t>andlw</a:t>
+            </a:r>
+            <a:r>
+              <a:rPr lang="en-US" sz="1600" dirty="0">
+                <a:latin typeface="Arial" charset="0"/>
+              </a:rPr>
+              <a:t>	  B'00000111'	</a:t>
+            </a:r>
+            <a:r>
+              <a:rPr lang="en-US" sz="1600" dirty="0">
                 <a:solidFill>
                   <a:srgbClr val="058795"/>
                 </a:solidFill>
@@ -21122,10 +21143,22 @@
               <a:buNone/>
             </a:pPr>
             <a:r>
+              <a:rPr lang="en-US" sz="1600" dirty="0">
+                <a:latin typeface="Arial" charset="0"/>
+              </a:rPr>
+              <a:t>	</a:t>
+            </a:r>
+            <a:r>
+              <a:rPr lang="en-US" sz="1600" dirty="0" err="1">
+                <a:latin typeface="Arial" charset="0"/>
+              </a:rPr>
+              <a:t>addwf</a:t>
+            </a:r>
+            <a:r>
               <a:rPr lang="en-US" sz="1600">
                 <a:latin typeface="Arial" charset="0"/>
               </a:rPr>
-              <a:t>	addwf   PCL,F		</a:t>
+              <a:t>   PCL,F		</a:t>
             </a:r>
             <a:r>
               <a:rPr lang="en-US" sz="1600">
@@ -21134,7 +21167,25 @@
                 </a:solidFill>
                 <a:latin typeface="Arial" charset="0"/>
               </a:rPr>
-              <a:t>; Change PC with PCLATH and offset in W</a:t>
+              <a:t>; Change PC with </a:t>
+            </a:r>
+            <a:r>
+              <a:rPr lang="en-US" sz="1600" smtClean="0">
+                <a:solidFill>
+                  <a:srgbClr val="058795"/>
+                </a:solidFill>
+                <a:latin typeface="Arial" charset="0"/>
+              </a:rPr>
+              <a:t>PCL </a:t>
+            </a:r>
+            <a:r>
+              <a:rPr lang="en-US" sz="1600">
+                <a:solidFill>
+                  <a:srgbClr val="058795"/>
+                </a:solidFill>
+                <a:latin typeface="Arial" charset="0"/>
+              </a:rPr>
+              <a:t>and offset in W</a:t>
             </a:r>
           </a:p>
           <a:p>
@@ -21146,13 +21197,25 @@
               <a:buNone/>
             </a:pPr>
             <a:r>
-              <a:rPr lang="en-US" sz="1600">
-                <a:latin typeface="Arial" charset="0"/>
-              </a:rPr>
-              <a:t>	retlw	  B'00000001'	</a:t>
-            </a:r>
-            <a:r>
-              <a:rPr lang="en-US" sz="1600">
+              <a:rPr lang="en-US" sz="1600" dirty="0">
+                <a:latin typeface="Arial" charset="0"/>
+              </a:rPr>
+              <a:t>	</a:t>
+            </a:r>
+            <a:r>
+              <a:rPr lang="en-US" sz="1600" dirty="0" err="1">
+                <a:latin typeface="Arial" charset="0"/>
+              </a:rPr>
+              <a:t>retlw</a:t>
+            </a:r>
+            <a:r>
+              <a:rPr lang="en-US" sz="1600" dirty="0">
+                <a:latin typeface="Arial" charset="0"/>
+              </a:rPr>
+              <a:t>	  B'00000001'	</a:t>
+            </a:r>
+            <a:r>
+              <a:rPr lang="en-US" sz="1600" dirty="0">
                 <a:solidFill>
                   <a:srgbClr val="058795"/>
                 </a:solidFill>
@@ -21170,13 +21233,25 @@
               <a:buNone/>
             </a:pPr>
             <a:r>
-              <a:rPr lang="en-US" sz="1600">
-                <a:latin typeface="Arial" charset="0"/>
-              </a:rPr>
-              <a:t>	retlw	  B'00000011'	</a:t>
-            </a:r>
-            <a:r>
-              <a:rPr lang="en-US" sz="1600">
+              <a:rPr lang="en-US" sz="1600" dirty="0">
+                <a:latin typeface="Arial" charset="0"/>
+              </a:rPr>
+              <a:t>	</a:t>
+            </a:r>
+            <a:r>
+              <a:rPr lang="en-US" sz="1600" dirty="0" err="1">
+                <a:latin typeface="Arial" charset="0"/>
+              </a:rPr>
+              <a:t>retlw</a:t>
+            </a:r>
+            <a:r>
+              <a:rPr lang="en-US" sz="1600" dirty="0">
+                <a:latin typeface="Arial" charset="0"/>
+              </a:rPr>
+              <a:t>	  B'00000011'	</a:t>
+            </a:r>
+            <a:r>
+              <a:rPr lang="en-US" sz="1600" dirty="0">
                 <a:solidFill>
                   <a:srgbClr val="058795"/>
                 </a:solidFill>
@@ -21194,13 +21269,25 @@
               <a:buNone/>
             </a:pPr>
             <a:r>
-              <a:rPr lang="en-US" sz="1600">
-                <a:latin typeface="Arial" charset="0"/>
-              </a:rPr>
-              <a:t>	retlw	  B'00000110'	</a:t>
-            </a:r>
-            <a:r>
-              <a:rPr lang="en-US" sz="1600">
+              <a:rPr lang="en-US" sz="1600" dirty="0">
+                <a:latin typeface="Arial" charset="0"/>
+              </a:rPr>
+              <a:t>	</a:t>
+            </a:r>
+            <a:r>
+              <a:rPr lang="en-US" sz="1600" dirty="0" err="1">
+                <a:latin typeface="Arial" charset="0"/>
+              </a:rPr>
+              <a:t>retlw</a:t>
+            </a:r>
+            <a:r>
+              <a:rPr lang="en-US" sz="1600" dirty="0">
+                <a:latin typeface="Arial" charset="0"/>
+              </a:rPr>
+              <a:t>	  B'00000110'	</a:t>
+            </a:r>
+            <a:r>
+              <a:rPr lang="en-US" sz="1600" dirty="0">
                 <a:solidFill>
                   <a:srgbClr val="058795"/>
                 </a:solidFill>
@@ -21218,13 +21305,25 @@
               <a:buNone/>
             </a:pPr>
             <a:r>
-              <a:rPr lang="en-US" sz="1600">
-                <a:latin typeface="Arial" charset="0"/>
-              </a:rPr>
-              <a:t>	retlw	  B'00000010'	</a:t>
-            </a:r>
-            <a:r>
-              <a:rPr lang="en-US" sz="1600">
+              <a:rPr lang="en-US" sz="1600" dirty="0">
+                <a:latin typeface="Arial" charset="0"/>
+              </a:rPr>
+              <a:t>	</a:t>
+            </a:r>
+            <a:r>
+              <a:rPr lang="en-US" sz="1600" dirty="0" err="1">
+                <a:latin typeface="Arial" charset="0"/>
+              </a:rPr>
+              <a:t>retlw</a:t>
+            </a:r>
+            <a:r>
+              <a:rPr lang="en-US" sz="1600" dirty="0">
+                <a:latin typeface="Arial" charset="0"/>
+              </a:rPr>
+              <a:t>	  B'00000010'	</a:t>
+            </a:r>
+            <a:r>
+              <a:rPr lang="en-US" sz="1600" dirty="0">
                 <a:solidFill>
                   <a:srgbClr val="058795"/>
                 </a:solidFill>
@@ -21242,13 +21341,25 @@
               <a:buNone/>
             </a:pPr>
             <a:r>
-              <a:rPr lang="en-US" sz="1600">
-                <a:latin typeface="Arial" charset="0"/>
-              </a:rPr>
-              <a:t>	retlw	  B'00000101'	</a:t>
-            </a:r>
-            <a:r>
-              <a:rPr lang="en-US" sz="1600">
+              <a:rPr lang="en-US" sz="1600" dirty="0">
+                <a:latin typeface="Arial" charset="0"/>
+              </a:rPr>
+              <a:t>	</a:t>
+            </a:r>
+            <a:r>
+              <a:rPr lang="en-US" sz="1600" dirty="0" err="1">
+                <a:latin typeface="Arial" charset="0"/>
+              </a:rPr>
+              <a:t>retlw</a:t>
+            </a:r>
+            <a:r>
+              <a:rPr lang="en-US" sz="1600" dirty="0">
+                <a:latin typeface="Arial" charset="0"/>
+              </a:rPr>
+              <a:t>	  B'00000101'	</a:t>
+            </a:r>
+            <a:r>
+              <a:rPr lang="en-US" sz="1600" dirty="0">
                 <a:solidFill>
                   <a:srgbClr val="058795"/>
                 </a:solidFill>
@@ -21266,13 +21377,25 @@
               <a:buNone/>
             </a:pPr>
             <a:r>
-              <a:rPr lang="en-US" sz="1600">
-                <a:latin typeface="Arial" charset="0"/>
-              </a:rPr>
-              <a:t>	retlw	  B'00000100'	</a:t>
-            </a:r>
-            <a:r>
-              <a:rPr lang="en-US" sz="1600">
+              <a:rPr lang="en-US" sz="1600" dirty="0">
+                <a:latin typeface="Arial" charset="0"/>
+              </a:rPr>
+              <a:t>	</a:t>
+            </a:r>
+            <a:r>
+              <a:rPr lang="en-US" sz="1600" dirty="0" err="1">
+                <a:latin typeface="Arial" charset="0"/>
+              </a:rPr>
+              <a:t>retlw</a:t>
+            </a:r>
+            <a:r>
+              <a:rPr lang="en-US" sz="1600" dirty="0">
+                <a:latin typeface="Arial" charset="0"/>
+              </a:rPr>
+              <a:t>	  B'00000100'	</a:t>
+            </a:r>
+            <a:r>
+              <a:rPr lang="en-US" sz="1600" dirty="0">
                 <a:solidFill>
                   <a:srgbClr val="058795"/>
                 </a:solidFill>
@@ -21290,7 +21413,7 @@
               <a:buNone/>
             </a:pPr>
             <a:r>
-              <a:rPr lang="en-US" sz="1600">
+              <a:rPr lang="en-US" sz="1600" dirty="0">
                 <a:solidFill>
                   <a:srgbClr val="058795"/>
                 </a:solidFill>
@@ -21299,13 +21422,19 @@
               <a:t>	</a:t>
             </a:r>
             <a:r>
-              <a:rPr lang="en-US" sz="1600">
-                <a:latin typeface="Arial" charset="0"/>
-              </a:rPr>
-              <a:t>retlw	  B'00000111'</a:t>
-            </a:r>
-            <a:r>
-              <a:rPr lang="en-US" sz="1600">
+              <a:rPr lang="en-US" sz="1600" dirty="0" err="1">
+                <a:latin typeface="Arial" charset="0"/>
+              </a:rPr>
+              <a:t>retlw</a:t>
+            </a:r>
+            <a:r>
+              <a:rPr lang="en-US" sz="1600" dirty="0">
+                <a:latin typeface="Arial" charset="0"/>
+              </a:rPr>
+              <a:t>	  B'00000111'</a:t>
+            </a:r>
+            <a:r>
+              <a:rPr lang="en-US" sz="1600" dirty="0">
                 <a:solidFill>
                   <a:srgbClr val="058795"/>
                 </a:solidFill>
@@ -21323,13 +21452,25 @@
               <a:buNone/>
             </a:pPr>
             <a:r>
-              <a:rPr lang="en-US" sz="1600">
-                <a:latin typeface="Arial" charset="0"/>
-              </a:rPr>
-              <a:t>	retlw	  B'00000110'	</a:t>
-            </a:r>
-            <a:r>
-              <a:rPr lang="en-US" sz="1600">
+              <a:rPr lang="en-US" sz="1600" dirty="0">
+                <a:latin typeface="Arial" charset="0"/>
+              </a:rPr>
+              <a:t>	</a:t>
+            </a:r>
+            <a:r>
+              <a:rPr lang="en-US" sz="1600" dirty="0" err="1">
+                <a:latin typeface="Arial" charset="0"/>
+              </a:rPr>
+              <a:t>retlw</a:t>
+            </a:r>
+            <a:r>
+              <a:rPr lang="en-US" sz="1600" dirty="0">
+                <a:latin typeface="Arial" charset="0"/>
+              </a:rPr>
+              <a:t>	  B'00000110'	</a:t>
+            </a:r>
+            <a:r>
+              <a:rPr lang="en-US" sz="1600" dirty="0">
                 <a:solidFill>
                   <a:srgbClr val="058795"/>
                 </a:solidFill>
@@ -21346,7 +21487,7 @@
               <a:buFont typeface="Wingdings" charset="0"/>
               <a:buNone/>
             </a:pPr>
-            <a:endParaRPr lang="en-US" sz="1600">
+            <a:endParaRPr lang="en-US" sz="1600" dirty="0">
               <a:solidFill>
                 <a:srgbClr val="058795"/>
               </a:solidFill>
@@ -21362,7 +21503,7 @@
               <a:buNone/>
             </a:pPr>
             <a:r>
-              <a:rPr lang="en-US" sz="1600" i="1">
+              <a:rPr lang="en-US" sz="1600" i="1" dirty="0">
                 <a:solidFill>
                   <a:srgbClr val="000099"/>
                 </a:solidFill>
@@ -21379,7 +21520,7 @@
               <a:buFont typeface="Wingdings" charset="0"/>
               <a:buNone/>
             </a:pPr>
-            <a:endParaRPr lang="en-US" sz="600" i="1">
+            <a:endParaRPr lang="en-US" sz="600" i="1" dirty="0">
               <a:solidFill>
                 <a:srgbClr val="000099"/>
               </a:solidFill>
@@ -21395,13 +21536,25 @@
               <a:buNone/>
             </a:pPr>
             <a:r>
-              <a:rPr lang="en-US" sz="1600">
-                <a:latin typeface="Arial" charset="0"/>
-              </a:rPr>
-              <a:t>	call	  BlinkTable	</a:t>
-            </a:r>
-            <a:r>
-              <a:rPr lang="en-US" sz="1600">
+              <a:rPr lang="en-US" sz="1600" dirty="0">
+                <a:latin typeface="Arial" charset="0"/>
+              </a:rPr>
+              <a:t>	call	  </a:t>
+            </a:r>
+            <a:r>
+              <a:rPr lang="en-US" sz="1600" dirty="0" err="1">
+                <a:latin typeface="Arial" charset="0"/>
+              </a:rPr>
+              <a:t>BlinkTable</a:t>
+            </a:r>
+            <a:r>
+              <a:rPr lang="en-US" sz="1600" dirty="0">
+                <a:latin typeface="Arial" charset="0"/>
+              </a:rPr>
+              <a:t>	</a:t>
+            </a:r>
+            <a:r>
+              <a:rPr lang="en-US" sz="1600" dirty="0">
                 <a:solidFill>
                   <a:srgbClr val="058795"/>
                 </a:solidFill>
@@ -21419,7 +21572,7 @@
               <a:buNone/>
             </a:pPr>
             <a:r>
-              <a:rPr lang="en-US" sz="1600">
+              <a:rPr lang="en-US" sz="1600" dirty="0">
                 <a:solidFill>
                   <a:srgbClr val="058795"/>
                 </a:solidFill>
@@ -21428,13 +21581,19 @@
               <a:t>	</a:t>
             </a:r>
             <a:r>
-              <a:rPr lang="en-US" sz="1600">
-                <a:latin typeface="Arial" charset="0"/>
-              </a:rPr>
-              <a:t>xorwf	  PORTD, F</a:t>
-            </a:r>
-            <a:r>
-              <a:rPr lang="en-US" sz="1600">
+              <a:rPr lang="en-US" sz="1600" dirty="0" err="1">
+                <a:latin typeface="Arial" charset="0"/>
+              </a:rPr>
+              <a:t>xorwf</a:t>
+            </a:r>
+            <a:r>
+              <a:rPr lang="en-US" sz="1600" dirty="0">
+                <a:latin typeface="Arial" charset="0"/>
+              </a:rPr>
+              <a:t>	  PORTD, F</a:t>
+            </a:r>
+            <a:r>
+              <a:rPr lang="en-US" sz="1600" dirty="0">
                 <a:solidFill>
                   <a:srgbClr val="058795"/>
                 </a:solidFill>
@@ -21459,14 +21618,14 @@
           <a:noFill/>
           <a:ln/>
           <a:extLst>
-            <a:ext uri="{909E8E84-426E-40dd-AFC4-6F175D3DCCD1}">
+            <a:ext uri="{909E8E84-426E-40DD-AFC4-6F175D3DCCD1}">
               <a14:hiddenFill xmlns:a14="http://schemas.microsoft.com/office/drawing/2010/main">
                 <a:solidFill>
                   <a:srgbClr val="FFFFFF"/>
                 </a:solidFill>
               </a14:hiddenFill>
             </a:ext>
-            <a:ext uri="{91240B29-F687-4f45-9708-019B960494DF}">
+            <a:ext uri="{91240B29-F687-4F45-9708-019B960494DF}">
               <a14:hiddenLine xmlns:a14="http://schemas.microsoft.com/office/drawing/2010/main" w="9525">
                 <a:solidFill>
                   <a:srgbClr val="000000"/>
@@ -21594,7 +21753,7 @@
               <a:rPr lang="en-US" sz="1200" smtClean="0">
                 <a:latin typeface="Garamond" charset="0"/>
               </a:rPr>
-              <a:t>6/13/16</a:t>
+              <a:t>6/16/2016</a:t>
             </a:fld>
             <a:endParaRPr lang="en-US" sz="1200">
               <a:latin typeface="Garamond" charset="0"/>
@@ -21642,14 +21801,14 @@
           <a:noFill/>
           <a:ln/>
           <a:extLst>
-            <a:ext uri="{909E8E84-426E-40dd-AFC4-6F175D3DCCD1}">
+            <a:ext uri="{909E8E84-426E-40DD-AFC4-6F175D3DCCD1}">
               <a14:hiddenFill xmlns:a14="http://schemas.microsoft.com/office/drawing/2010/main">
                 <a:solidFill>
                   <a:srgbClr val="FFFFFF"/>
                 </a:solidFill>
               </a14:hiddenFill>
             </a:ext>
-            <a:ext uri="{91240B29-F687-4f45-9708-019B960494DF}">
+            <a:ext uri="{91240B29-F687-4F45-9708-019B960494DF}">
               <a14:hiddenLine xmlns:a14="http://schemas.microsoft.com/office/drawing/2010/main" w="9525">
                 <a:solidFill>
                   <a:srgbClr val="000000"/>
@@ -21799,7 +21958,7 @@
   <p:timing>
     <p:tnLst>
       <p:par>
-        <p:cTn xmlns:p14="http://schemas.microsoft.com/office/powerpoint/2010/main" id="1" dur="indefinite" restart="never" nodeType="tmRoot"/>
+        <p:cTn id="1" dur="indefinite" restart="never" nodeType="tmRoot"/>
       </p:par>
     </p:tnLst>
   </p:timing>
@@ -22062,14 +22221,14 @@
           <a:noFill/>
           <a:ln/>
           <a:extLst>
-            <a:ext uri="{909E8E84-426E-40dd-AFC4-6F175D3DCCD1}">
+            <a:ext uri="{909E8E84-426E-40DD-AFC4-6F175D3DCCD1}">
               <a14:hiddenFill xmlns:a14="http://schemas.microsoft.com/office/drawing/2010/main">
                 <a:solidFill>
                   <a:srgbClr val="FFFFFF"/>
                 </a:solidFill>
               </a14:hiddenFill>
             </a:ext>
-            <a:ext uri="{91240B29-F687-4f45-9708-019B960494DF}">
+            <a:ext uri="{91240B29-F687-4F45-9708-019B960494DF}">
               <a14:hiddenLine xmlns:a14="http://schemas.microsoft.com/office/drawing/2010/main" w="9525">
                 <a:solidFill>
                   <a:srgbClr val="000000"/>
@@ -22197,7 +22356,7 @@
               <a:rPr lang="en-US" sz="1200" smtClean="0">
                 <a:latin typeface="Garamond" charset="0"/>
               </a:rPr>
-              <a:t>6/13/16</a:t>
+              <a:t>6/16/2016</a:t>
             </a:fld>
             <a:endParaRPr lang="en-US" sz="1200">
               <a:latin typeface="Garamond" charset="0"/>
@@ -22245,14 +22404,14 @@
           <a:noFill/>
           <a:ln/>
           <a:extLst>
-            <a:ext uri="{909E8E84-426E-40dd-AFC4-6F175D3DCCD1}">
+            <a:ext uri="{909E8E84-426E-40DD-AFC4-6F175D3DCCD1}">
               <a14:hiddenFill xmlns:a14="http://schemas.microsoft.com/office/drawing/2010/main">
                 <a:solidFill>
                   <a:srgbClr val="FFFFFF"/>
                 </a:solidFill>
               </a14:hiddenFill>
             </a:ext>
-            <a:ext uri="{91240B29-F687-4f45-9708-019B960494DF}">
+            <a:ext uri="{91240B29-F687-4F45-9708-019B960494DF}">
               <a14:hiddenLine xmlns:a14="http://schemas.microsoft.com/office/drawing/2010/main" w="9525">
                 <a:solidFill>
                   <a:srgbClr val="000000"/>
@@ -22402,7 +22561,7 @@
   <p:timing>
     <p:tnLst>
       <p:par>
-        <p:cTn xmlns:p14="http://schemas.microsoft.com/office/powerpoint/2010/main" id="1" dur="indefinite" restart="never" nodeType="tmRoot">
+        <p:cTn id="1" dur="indefinite" restart="never" nodeType="tmRoot">
           <p:childTnLst>
             <p:seq concurrent="1" nextAc="seek">
               <p:cTn id="2" dur="indefinite" nodeType="mainSeq">
@@ -23014,14 +23173,14 @@
           <a:noFill/>
           <a:ln/>
           <a:extLst>
-            <a:ext uri="{909E8E84-426E-40dd-AFC4-6F175D3DCCD1}">
+            <a:ext uri="{909E8E84-426E-40DD-AFC4-6F175D3DCCD1}">
               <a14:hiddenFill xmlns:a14="http://schemas.microsoft.com/office/drawing/2010/main">
                 <a:solidFill>
                   <a:srgbClr val="FFFFFF"/>
                 </a:solidFill>
               </a14:hiddenFill>
             </a:ext>
-            <a:ext uri="{91240B29-F687-4f45-9708-019B960494DF}">
+            <a:ext uri="{91240B29-F687-4F45-9708-019B960494DF}">
               <a14:hiddenLine xmlns:a14="http://schemas.microsoft.com/office/drawing/2010/main" w="9525">
                 <a:solidFill>
                   <a:srgbClr val="000000"/>
@@ -23149,7 +23308,7 @@
               <a:rPr lang="en-US" sz="1200" smtClean="0">
                 <a:latin typeface="Garamond" charset="0"/>
               </a:rPr>
-              <a:t>6/13/16</a:t>
+              <a:t>6/16/2016</a:t>
             </a:fld>
             <a:endParaRPr lang="en-US" sz="1200">
               <a:latin typeface="Garamond" charset="0"/>
@@ -23197,14 +23356,14 @@
           <a:noFill/>
           <a:ln/>
           <a:extLst>
-            <a:ext uri="{909E8E84-426E-40dd-AFC4-6F175D3DCCD1}">
+            <a:ext uri="{909E8E84-426E-40DD-AFC4-6F175D3DCCD1}">
               <a14:hiddenFill xmlns:a14="http://schemas.microsoft.com/office/drawing/2010/main">
                 <a:solidFill>
                   <a:srgbClr val="FFFFFF"/>
                 </a:solidFill>
               </a14:hiddenFill>
             </a:ext>
-            <a:ext uri="{91240B29-F687-4f45-9708-019B960494DF}">
+            <a:ext uri="{91240B29-F687-4F45-9708-019B960494DF}">
               <a14:hiddenLine xmlns:a14="http://schemas.microsoft.com/office/drawing/2010/main" w="9525">
                 <a:solidFill>
                   <a:srgbClr val="000000"/>
@@ -23354,7 +23513,7 @@
   <p:timing>
     <p:tnLst>
       <p:par>
-        <p:cTn xmlns:p14="http://schemas.microsoft.com/office/powerpoint/2010/main" id="1" dur="indefinite" restart="never" nodeType="tmRoot">
+        <p:cTn id="1" dur="indefinite" restart="never" nodeType="tmRoot">
           <p:childTnLst>
             <p:seq concurrent="1" nextAc="seek">
               <p:cTn id="2" dur="indefinite" nodeType="mainSeq">
@@ -23756,14 +23915,14 @@
           <a:noFill/>
           <a:ln/>
           <a:extLst>
-            <a:ext uri="{909E8E84-426E-40dd-AFC4-6F175D3DCCD1}">
+            <a:ext uri="{909E8E84-426E-40DD-AFC4-6F175D3DCCD1}">
               <a14:hiddenFill xmlns:a14="http://schemas.microsoft.com/office/drawing/2010/main">
                 <a:solidFill>
                   <a:srgbClr val="FFFFFF"/>
                 </a:solidFill>
               </a14:hiddenFill>
             </a:ext>
-            <a:ext uri="{91240B29-F687-4f45-9708-019B960494DF}">
+            <a:ext uri="{91240B29-F687-4F45-9708-019B960494DF}">
               <a14:hiddenLine xmlns:a14="http://schemas.microsoft.com/office/drawing/2010/main" w="9525">
                 <a:solidFill>
                   <a:srgbClr val="000000"/>
@@ -24084,14 +24243,14 @@
           </a:ln>
           <a:effectLst/>
           <a:extLst>
-            <a:ext uri="{909E8E84-426E-40dd-AFC4-6F175D3DCCD1}">
+            <a:ext uri="{909E8E84-426E-40DD-AFC4-6F175D3DCCD1}">
               <a14:hiddenFill xmlns:a14="http://schemas.microsoft.com/office/drawing/2010/main">
                 <a:solidFill>
                   <a:schemeClr val="accent1"/>
                 </a:solidFill>
               </a14:hiddenFill>
             </a:ext>
-            <a:ext uri="{91240B29-F687-4f45-9708-019B960494DF}">
+            <a:ext uri="{91240B29-F687-4F45-9708-019B960494DF}">
               <a14:hiddenLine xmlns:a14="http://schemas.microsoft.com/office/drawing/2010/main" w="9525">
                 <a:solidFill>
                   <a:schemeClr val="tx1"/>
@@ -24101,7 +24260,7 @@
                 <a:tailEnd/>
               </a14:hiddenLine>
             </a:ext>
-            <a:ext uri="{AF507438-7753-43e0-B8FC-AC1667EBCBE1}">
+            <a:ext uri="{AF507438-7753-43E0-B8FC-AC1667EBCBE1}">
               <a14:hiddenEffects xmlns:a14="http://schemas.microsoft.com/office/drawing/2010/main">
                 <a:effectLst>
                   <a:outerShdw blurRad="63500" dist="38099" dir="2700000" algn="ctr" rotWithShape="0">
@@ -24278,14 +24437,14 @@
           </a:ln>
           <a:effectLst/>
           <a:extLst>
-            <a:ext uri="{909E8E84-426E-40dd-AFC4-6F175D3DCCD1}">
+            <a:ext uri="{909E8E84-426E-40DD-AFC4-6F175D3DCCD1}">
               <a14:hiddenFill xmlns:a14="http://schemas.microsoft.com/office/drawing/2010/main">
                 <a:solidFill>
                   <a:schemeClr val="accent1"/>
                 </a:solidFill>
               </a14:hiddenFill>
             </a:ext>
-            <a:ext uri="{AF507438-7753-43e0-B8FC-AC1667EBCBE1}">
+            <a:ext uri="{AF507438-7753-43E0-B8FC-AC1667EBCBE1}">
               <a14:hiddenEffects xmlns:a14="http://schemas.microsoft.com/office/drawing/2010/main">
                 <a:effectLst>
                   <a:outerShdw blurRad="63500" dist="38099" dir="2700000" algn="ctr" rotWithShape="0">
@@ -24418,14 +24577,14 @@
           <a:noFill/>
           <a:ln/>
           <a:extLst>
-            <a:ext uri="{909E8E84-426E-40dd-AFC4-6F175D3DCCD1}">
+            <a:ext uri="{909E8E84-426E-40DD-AFC4-6F175D3DCCD1}">
               <a14:hiddenFill xmlns:a14="http://schemas.microsoft.com/office/drawing/2010/main">
                 <a:solidFill>
                   <a:srgbClr val="FFFFFF"/>
                 </a:solidFill>
               </a14:hiddenFill>
             </a:ext>
-            <a:ext uri="{91240B29-F687-4f45-9708-019B960494DF}">
+            <a:ext uri="{91240B29-F687-4F45-9708-019B960494DF}">
               <a14:hiddenLine xmlns:a14="http://schemas.microsoft.com/office/drawing/2010/main" w="9525">
                 <a:solidFill>
                   <a:srgbClr val="000000"/>
@@ -24553,7 +24712,7 @@
               <a:rPr lang="en-US" sz="1200" smtClean="0">
                 <a:latin typeface="Garamond" charset="0"/>
               </a:rPr>
-              <a:t>6/13/16</a:t>
+              <a:t>6/16/2016</a:t>
             </a:fld>
             <a:endParaRPr lang="en-US" sz="1200">
               <a:latin typeface="Garamond" charset="0"/>
@@ -24569,7 +24728,7 @@
   <p:timing>
     <p:tnLst>
       <p:par>
-        <p:cTn xmlns:p14="http://schemas.microsoft.com/office/powerpoint/2010/main" id="1" dur="indefinite" restart="never" nodeType="tmRoot"/>
+        <p:cTn id="1" dur="indefinite" restart="never" nodeType="tmRoot"/>
       </p:par>
     </p:tnLst>
   </p:timing>
@@ -24754,11 +24913,7 @@
             </a:r>
             <a:r>
               <a:rPr lang="en-US"/>
-              <a:t> by end of exam on Thursday, 6</a:t>
-            </a:r>
-            <a:r>
-              <a:rPr lang="en-US"/>
-              <a:t>/</a:t>
+              <a:t> by end of exam on Thursday, 6/</a:t>
             </a:r>
             <a:r>
               <a:rPr lang="en-US" smtClean="0"/>
@@ -24811,14 +24966,14 @@
           <a:noFill/>
           <a:ln/>
           <a:extLst>
-            <a:ext uri="{909E8E84-426E-40dd-AFC4-6F175D3DCCD1}">
+            <a:ext uri="{909E8E84-426E-40DD-AFC4-6F175D3DCCD1}">
               <a14:hiddenFill xmlns:a14="http://schemas.microsoft.com/office/drawing/2010/main">
                 <a:solidFill>
                   <a:srgbClr val="FFFFFF"/>
                 </a:solidFill>
               </a14:hiddenFill>
             </a:ext>
-            <a:ext uri="{91240B29-F687-4f45-9708-019B960494DF}">
+            <a:ext uri="{91240B29-F687-4F45-9708-019B960494DF}">
               <a14:hiddenLine xmlns:a14="http://schemas.microsoft.com/office/drawing/2010/main" w="9525">
                 <a:solidFill>
                   <a:srgbClr val="000000"/>
@@ -24946,7 +25101,7 @@
               <a:rPr lang="en-US" sz="1200" smtClean="0">
                 <a:latin typeface="Garamond" charset="0"/>
               </a:rPr>
-              <a:t>6/13/16</a:t>
+              <a:t>6/16/2016</a:t>
             </a:fld>
             <a:endParaRPr lang="en-US" sz="1200">
               <a:latin typeface="Garamond" charset="0"/>
@@ -24994,14 +25149,14 @@
           <a:noFill/>
           <a:ln/>
           <a:extLst>
-            <a:ext uri="{909E8E84-426E-40dd-AFC4-6F175D3DCCD1}">
+            <a:ext uri="{909E8E84-426E-40DD-AFC4-6F175D3DCCD1}">
               <a14:hiddenFill xmlns:a14="http://schemas.microsoft.com/office/drawing/2010/main">
                 <a:solidFill>
                   <a:srgbClr val="FFFFFF"/>
                 </a:solidFill>
               </a14:hiddenFill>
             </a:ext>
-            <a:ext uri="{91240B29-F687-4f45-9708-019B960494DF}">
+            <a:ext uri="{91240B29-F687-4F45-9708-019B960494DF}">
               <a14:hiddenLine xmlns:a14="http://schemas.microsoft.com/office/drawing/2010/main" w="9525">
                 <a:solidFill>
                   <a:srgbClr val="000000"/>
@@ -25146,7 +25301,7 @@
   <p:timing>
     <p:tnLst>
       <p:par>
-        <p:cTn xmlns:p14="http://schemas.microsoft.com/office/powerpoint/2010/main" id="1" dur="indefinite" restart="never" nodeType="tmRoot"/>
+        <p:cTn id="1" dur="indefinite" restart="never" nodeType="tmRoot"/>
       </p:par>
     </p:tnLst>
   </p:timing>
@@ -25487,14 +25642,14 @@
           <a:noFill/>
           <a:ln/>
           <a:extLst>
-            <a:ext uri="{909E8E84-426E-40dd-AFC4-6F175D3DCCD1}">
+            <a:ext uri="{909E8E84-426E-40DD-AFC4-6F175D3DCCD1}">
               <a14:hiddenFill xmlns:a14="http://schemas.microsoft.com/office/drawing/2010/main">
                 <a:solidFill>
                   <a:srgbClr val="FFFFFF"/>
                 </a:solidFill>
               </a14:hiddenFill>
             </a:ext>
-            <a:ext uri="{91240B29-F687-4f45-9708-019B960494DF}">
+            <a:ext uri="{91240B29-F687-4F45-9708-019B960494DF}">
               <a14:hiddenLine xmlns:a14="http://schemas.microsoft.com/office/drawing/2010/main" w="9525">
                 <a:solidFill>
                   <a:srgbClr val="000000"/>
@@ -25622,7 +25777,7 @@
               <a:rPr lang="en-US" sz="1200" smtClean="0">
                 <a:latin typeface="Garamond" charset="0"/>
               </a:rPr>
-              <a:t>6/13/16</a:t>
+              <a:t>6/16/2016</a:t>
             </a:fld>
             <a:endParaRPr lang="en-US" sz="1200">
               <a:latin typeface="Garamond" charset="0"/>
@@ -25670,14 +25825,14 @@
           <a:noFill/>
           <a:ln/>
           <a:extLst>
-            <a:ext uri="{909E8E84-426E-40dd-AFC4-6F175D3DCCD1}">
+            <a:ext uri="{909E8E84-426E-40DD-AFC4-6F175D3DCCD1}">
               <a14:hiddenFill xmlns:a14="http://schemas.microsoft.com/office/drawing/2010/main">
                 <a:solidFill>
                   <a:srgbClr val="FFFFFF"/>
                 </a:solidFill>
               </a14:hiddenFill>
             </a:ext>
-            <a:ext uri="{91240B29-F687-4f45-9708-019B960494DF}">
+            <a:ext uri="{91240B29-F687-4F45-9708-019B960494DF}">
               <a14:hiddenLine xmlns:a14="http://schemas.microsoft.com/office/drawing/2010/main" w="9525">
                 <a:solidFill>
                   <a:srgbClr val="000000"/>
@@ -25822,7 +25977,7 @@
   <p:timing>
     <p:tnLst>
       <p:par>
-        <p:cTn xmlns:p14="http://schemas.microsoft.com/office/powerpoint/2010/main" id="1" dur="indefinite" restart="never" nodeType="tmRoot"/>
+        <p:cTn id="1" dur="indefinite" restart="never" nodeType="tmRoot"/>
       </p:par>
     </p:tnLst>
   </p:timing>
@@ -26073,14 +26228,14 @@
           <a:noFill/>
           <a:ln/>
           <a:extLst>
-            <a:ext uri="{909E8E84-426E-40dd-AFC4-6F175D3DCCD1}">
+            <a:ext uri="{909E8E84-426E-40DD-AFC4-6F175D3DCCD1}">
               <a14:hiddenFill xmlns:a14="http://schemas.microsoft.com/office/drawing/2010/main">
                 <a:solidFill>
                   <a:srgbClr val="FFFFFF"/>
                 </a:solidFill>
               </a14:hiddenFill>
             </a:ext>
-            <a:ext uri="{91240B29-F687-4f45-9708-019B960494DF}">
+            <a:ext uri="{91240B29-F687-4F45-9708-019B960494DF}">
               <a14:hiddenLine xmlns:a14="http://schemas.microsoft.com/office/drawing/2010/main" w="9525">
                 <a:solidFill>
                   <a:srgbClr val="000000"/>
@@ -26208,7 +26363,7 @@
               <a:rPr lang="en-US" sz="1200" smtClean="0">
                 <a:latin typeface="Garamond" charset="0"/>
               </a:rPr>
-              <a:t>6/13/16</a:t>
+              <a:t>6/16/2016</a:t>
             </a:fld>
             <a:endParaRPr lang="en-US" sz="1200">
               <a:latin typeface="Garamond" charset="0"/>
@@ -26256,14 +26411,14 @@
           <a:noFill/>
           <a:ln/>
           <a:extLst>
-            <a:ext uri="{909E8E84-426E-40dd-AFC4-6F175D3DCCD1}">
+            <a:ext uri="{909E8E84-426E-40DD-AFC4-6F175D3DCCD1}">
               <a14:hiddenFill xmlns:a14="http://schemas.microsoft.com/office/drawing/2010/main">
                 <a:solidFill>
                   <a:srgbClr val="FFFFFF"/>
                 </a:solidFill>
               </a14:hiddenFill>
             </a:ext>
-            <a:ext uri="{91240B29-F687-4f45-9708-019B960494DF}">
+            <a:ext uri="{91240B29-F687-4F45-9708-019B960494DF}">
               <a14:hiddenLine xmlns:a14="http://schemas.microsoft.com/office/drawing/2010/main" w="9525">
                 <a:solidFill>
                   <a:srgbClr val="000000"/>
@@ -26408,7 +26563,7 @@
   <p:timing>
     <p:tnLst>
       <p:par>
-        <p:cTn xmlns:p14="http://schemas.microsoft.com/office/powerpoint/2010/main" id="1" dur="indefinite" restart="never" nodeType="tmRoot"/>
+        <p:cTn id="1" dur="indefinite" restart="never" nodeType="tmRoot"/>
       </p:par>
     </p:tnLst>
   </p:timing>
@@ -26757,14 +26912,14 @@
           <a:noFill/>
           <a:ln/>
           <a:extLst>
-            <a:ext uri="{909E8E84-426E-40dd-AFC4-6F175D3DCCD1}">
+            <a:ext uri="{909E8E84-426E-40DD-AFC4-6F175D3DCCD1}">
               <a14:hiddenFill xmlns:a14="http://schemas.microsoft.com/office/drawing/2010/main">
                 <a:solidFill>
                   <a:srgbClr val="FFFFFF"/>
                 </a:solidFill>
               </a14:hiddenFill>
             </a:ext>
-            <a:ext uri="{91240B29-F687-4f45-9708-019B960494DF}">
+            <a:ext uri="{91240B29-F687-4F45-9708-019B960494DF}">
               <a14:hiddenLine xmlns:a14="http://schemas.microsoft.com/office/drawing/2010/main" w="9525">
                 <a:solidFill>
                   <a:srgbClr val="000000"/>
@@ -26892,7 +27047,7 @@
               <a:rPr lang="en-US" sz="1200" smtClean="0">
                 <a:latin typeface="Garamond" charset="0"/>
               </a:rPr>
-              <a:t>6/13/16</a:t>
+              <a:t>6/16/2016</a:t>
             </a:fld>
             <a:endParaRPr lang="en-US" sz="1200">
               <a:latin typeface="Garamond" charset="0"/>
@@ -26940,14 +27095,14 @@
           <a:noFill/>
           <a:ln/>
           <a:extLst>
-            <a:ext uri="{909E8E84-426E-40dd-AFC4-6F175D3DCCD1}">
+            <a:ext uri="{909E8E84-426E-40DD-AFC4-6F175D3DCCD1}">
               <a14:hiddenFill xmlns:a14="http://schemas.microsoft.com/office/drawing/2010/main">
                 <a:solidFill>
                   <a:srgbClr val="FFFFFF"/>
                 </a:solidFill>
               </a14:hiddenFill>
             </a:ext>
-            <a:ext uri="{91240B29-F687-4f45-9708-019B960494DF}">
+            <a:ext uri="{91240B29-F687-4F45-9708-019B960494DF}">
               <a14:hiddenLine xmlns:a14="http://schemas.microsoft.com/office/drawing/2010/main" w="9525">
                 <a:solidFill>
                   <a:srgbClr val="000000"/>
@@ -27092,7 +27247,7 @@
   <p:timing>
     <p:tnLst>
       <p:par>
-        <p:cTn xmlns:p14="http://schemas.microsoft.com/office/powerpoint/2010/main" id="1" dur="indefinite" restart="never" nodeType="tmRoot"/>
+        <p:cTn id="1" dur="indefinite" restart="never" nodeType="tmRoot"/>
       </p:par>
     </p:tnLst>
   </p:timing>
@@ -27204,14 +27359,14 @@
           <a:noFill/>
           <a:ln/>
           <a:extLst>
-            <a:ext uri="{909E8E84-426E-40dd-AFC4-6F175D3DCCD1}">
+            <a:ext uri="{909E8E84-426E-40DD-AFC4-6F175D3DCCD1}">
               <a14:hiddenFill xmlns:a14="http://schemas.microsoft.com/office/drawing/2010/main">
                 <a:solidFill>
                   <a:srgbClr val="FFFFFF"/>
                 </a:solidFill>
               </a14:hiddenFill>
             </a:ext>
-            <a:ext uri="{91240B29-F687-4f45-9708-019B960494DF}">
+            <a:ext uri="{91240B29-F687-4F45-9708-019B960494DF}">
               <a14:hiddenLine xmlns:a14="http://schemas.microsoft.com/office/drawing/2010/main" w="9525">
                 <a:solidFill>
                   <a:srgbClr val="000000"/>
@@ -27339,7 +27494,7 @@
               <a:rPr lang="en-US" sz="1200" smtClean="0">
                 <a:latin typeface="Garamond" charset="0"/>
               </a:rPr>
-              <a:t>6/13/16</a:t>
+              <a:t>6/16/2016</a:t>
             </a:fld>
             <a:endParaRPr lang="en-US" sz="1200">
               <a:latin typeface="Garamond" charset="0"/>
@@ -27387,14 +27542,14 @@
           <a:noFill/>
           <a:ln/>
           <a:extLst>
-            <a:ext uri="{909E8E84-426E-40dd-AFC4-6F175D3DCCD1}">
+            <a:ext uri="{909E8E84-426E-40DD-AFC4-6F175D3DCCD1}">
               <a14:hiddenFill xmlns:a14="http://schemas.microsoft.com/office/drawing/2010/main">
                 <a:solidFill>
                   <a:srgbClr val="FFFFFF"/>
                 </a:solidFill>
               </a14:hiddenFill>
             </a:ext>
-            <a:ext uri="{91240B29-F687-4f45-9708-019B960494DF}">
+            <a:ext uri="{91240B29-F687-4F45-9708-019B960494DF}">
               <a14:hiddenLine xmlns:a14="http://schemas.microsoft.com/office/drawing/2010/main" w="9525">
                 <a:solidFill>
                   <a:srgbClr val="000000"/>
@@ -27539,7 +27694,7 @@
   <p:timing>
     <p:tnLst>
       <p:par>
-        <p:cTn xmlns:p14="http://schemas.microsoft.com/office/powerpoint/2010/main" id="1" dur="indefinite" restart="never" nodeType="tmRoot"/>
+        <p:cTn id="1" dur="indefinite" restart="never" nodeType="tmRoot"/>
       </p:par>
     </p:tnLst>
   </p:timing>
@@ -28138,14 +28293,14 @@
           <a:noFill/>
           <a:ln/>
           <a:extLst>
-            <a:ext uri="{909E8E84-426E-40dd-AFC4-6F175D3DCCD1}">
+            <a:ext uri="{909E8E84-426E-40DD-AFC4-6F175D3DCCD1}">
               <a14:hiddenFill xmlns:a14="http://schemas.microsoft.com/office/drawing/2010/main">
                 <a:solidFill>
                   <a:srgbClr val="FFFFFF"/>
                 </a:solidFill>
               </a14:hiddenFill>
             </a:ext>
-            <a:ext uri="{91240B29-F687-4f45-9708-019B960494DF}">
+            <a:ext uri="{91240B29-F687-4F45-9708-019B960494DF}">
               <a14:hiddenLine xmlns:a14="http://schemas.microsoft.com/office/drawing/2010/main" w="9525">
                 <a:solidFill>
                   <a:srgbClr val="000000"/>
@@ -28273,7 +28428,7 @@
               <a:rPr lang="en-US" sz="1200" smtClean="0">
                 <a:latin typeface="Garamond" charset="0"/>
               </a:rPr>
-              <a:t>6/13/16</a:t>
+              <a:t>6/16/2016</a:t>
             </a:fld>
             <a:endParaRPr lang="en-US" sz="1200">
               <a:latin typeface="Garamond" charset="0"/>
@@ -28321,14 +28476,14 @@
           <a:noFill/>
           <a:ln/>
           <a:extLst>
-            <a:ext uri="{909E8E84-426E-40dd-AFC4-6F175D3DCCD1}">
+            <a:ext uri="{909E8E84-426E-40DD-AFC4-6F175D3DCCD1}">
               <a14:hiddenFill xmlns:a14="http://schemas.microsoft.com/office/drawing/2010/main">
                 <a:solidFill>
                   <a:srgbClr val="FFFFFF"/>
                 </a:solidFill>
               </a14:hiddenFill>
             </a:ext>
-            <a:ext uri="{91240B29-F687-4f45-9708-019B960494DF}">
+            <a:ext uri="{91240B29-F687-4F45-9708-019B960494DF}">
               <a14:hiddenLine xmlns:a14="http://schemas.microsoft.com/office/drawing/2010/main" w="9525">
                 <a:solidFill>
                   <a:srgbClr val="000000"/>
@@ -28473,7 +28628,7 @@
   <p:timing>
     <p:tnLst>
       <p:par>
-        <p:cTn xmlns:p14="http://schemas.microsoft.com/office/powerpoint/2010/main" id="1" dur="indefinite" restart="never" nodeType="tmRoot"/>
+        <p:cTn id="1" dur="indefinite" restart="never" nodeType="tmRoot"/>
       </p:par>
     </p:tnLst>
   </p:timing>
@@ -28664,14 +28819,14 @@
           <a:noFill/>
           <a:ln/>
           <a:extLst>
-            <a:ext uri="{909E8E84-426E-40dd-AFC4-6F175D3DCCD1}">
+            <a:ext uri="{909E8E84-426E-40DD-AFC4-6F175D3DCCD1}">
               <a14:hiddenFill xmlns:a14="http://schemas.microsoft.com/office/drawing/2010/main">
                 <a:solidFill>
                   <a:srgbClr val="FFFFFF"/>
                 </a:solidFill>
               </a14:hiddenFill>
             </a:ext>
-            <a:ext uri="{91240B29-F687-4f45-9708-019B960494DF}">
+            <a:ext uri="{91240B29-F687-4F45-9708-019B960494DF}">
               <a14:hiddenLine xmlns:a14="http://schemas.microsoft.com/office/drawing/2010/main" w="9525">
                 <a:solidFill>
                   <a:srgbClr val="000000"/>
@@ -28799,7 +28954,7 @@
               <a:rPr lang="en-US" sz="1200" smtClean="0">
                 <a:latin typeface="Garamond" charset="0"/>
               </a:rPr>
-              <a:t>6/13/16</a:t>
+              <a:t>6/16/2016</a:t>
             </a:fld>
             <a:endParaRPr lang="en-US" sz="1200">
               <a:latin typeface="Garamond" charset="0"/>
@@ -28847,14 +29002,14 @@
           <a:noFill/>
           <a:ln/>
           <a:extLst>
-            <a:ext uri="{909E8E84-426E-40dd-AFC4-6F175D3DCCD1}">
+            <a:ext uri="{909E8E84-426E-40DD-AFC4-6F175D3DCCD1}">
               <a14:hiddenFill xmlns:a14="http://schemas.microsoft.com/office/drawing/2010/main">
                 <a:solidFill>
                   <a:srgbClr val="FFFFFF"/>
                 </a:solidFill>
               </a14:hiddenFill>
             </a:ext>
-            <a:ext uri="{91240B29-F687-4f45-9708-019B960494DF}">
+            <a:ext uri="{91240B29-F687-4F45-9708-019B960494DF}">
               <a14:hiddenLine xmlns:a14="http://schemas.microsoft.com/office/drawing/2010/main" w="9525">
                 <a:solidFill>
                   <a:srgbClr val="000000"/>
@@ -28999,7 +29154,7 @@
   <p:timing>
     <p:tnLst>
       <p:par>
-        <p:cTn xmlns:p14="http://schemas.microsoft.com/office/powerpoint/2010/main" id="1" dur="indefinite" restart="never" nodeType="tmRoot"/>
+        <p:cTn id="1" dur="indefinite" restart="never" nodeType="tmRoot"/>
       </p:par>
     </p:tnLst>
   </p:timing>
